--- a/測驗題.pptx
+++ b/測驗題.pptx
@@ -5,7 +5,7 @@
     <p:sldMasterId id="2147483648" r:id="rId1"/>
   </p:sldMasterIdLst>
   <p:notesMasterIdLst>
-    <p:notesMasterId r:id="rId12"/>
+    <p:notesMasterId r:id="rId15"/>
   </p:notesMasterIdLst>
   <p:sldIdLst>
     <p:sldId id="256" r:id="rId2"/>
@@ -17,7 +17,10 @@
     <p:sldId id="260" r:id="rId8"/>
     <p:sldId id="261" r:id="rId9"/>
     <p:sldId id="262" r:id="rId10"/>
-    <p:sldId id="263" r:id="rId11"/>
+    <p:sldId id="267" r:id="rId11"/>
+    <p:sldId id="268" r:id="rId12"/>
+    <p:sldId id="269" r:id="rId13"/>
+    <p:sldId id="263" r:id="rId14"/>
   </p:sldIdLst>
   <p:sldSz cx="12192000" cy="6858000"/>
   <p:notesSz cx="6858000" cy="9144000"/>
@@ -206,7 +209,7 @@
           <a:p>
             <a:fld id="{1AF8D6DC-D9C2-4A7D-8BC0-934D327ECAC8}" type="datetimeFigureOut">
               <a:rPr lang="zh-TW" altLang="en-US" smtClean="0"/>
-              <a:t>2018/12/15</a:t>
+              <a:t>2018/12/17</a:t>
             </a:fld>
             <a:endParaRPr lang="zh-TW" altLang="en-US"/>
           </a:p>
@@ -270,38 +273,37 @@
           <a:p>
             <a:pPr lvl="0"/>
             <a:r>
-              <a:rPr lang="zh-TW" altLang="en-US" smtClean="0"/>
+              <a:rPr lang="zh-TW" altLang="en-US"/>
               <a:t>編輯母片文字樣式</a:t>
             </a:r>
           </a:p>
           <a:p>
             <a:pPr lvl="1"/>
             <a:r>
-              <a:rPr lang="zh-TW" altLang="en-US" smtClean="0"/>
+              <a:rPr lang="zh-TW" altLang="en-US"/>
               <a:t>第二層</a:t>
             </a:r>
           </a:p>
           <a:p>
             <a:pPr lvl="2"/>
             <a:r>
-              <a:rPr lang="zh-TW" altLang="en-US" smtClean="0"/>
+              <a:rPr lang="zh-TW" altLang="en-US"/>
               <a:t>第三層</a:t>
             </a:r>
           </a:p>
           <a:p>
             <a:pPr lvl="3"/>
             <a:r>
-              <a:rPr lang="zh-TW" altLang="en-US" smtClean="0"/>
+              <a:rPr lang="zh-TW" altLang="en-US"/>
               <a:t>第四層</a:t>
             </a:r>
           </a:p>
           <a:p>
             <a:pPr lvl="4"/>
             <a:r>
-              <a:rPr lang="zh-TW" altLang="en-US" smtClean="0"/>
+              <a:rPr lang="zh-TW" altLang="en-US"/>
               <a:t>第五層</a:t>
             </a:r>
-            <a:endParaRPr lang="zh-TW" altLang="en-US"/>
           </a:p>
         </p:txBody>
       </p:sp>
@@ -519,22 +521,22 @@
           <a:lstStyle/>
           <a:p>
             <a:r>
-              <a:rPr lang="zh-TW" altLang="en-US" dirty="0" smtClean="0"/>
+              <a:rPr lang="zh-TW" altLang="en-US" dirty="0"/>
               <a:t>如何實作版本控制</a:t>
             </a:r>
             <a:r>
-              <a:rPr lang="en-US" altLang="zh-TW" dirty="0" smtClean="0"/>
+              <a:rPr lang="en-US" altLang="zh-TW" dirty="0"/>
               <a:t>?</a:t>
             </a:r>
             <a:r>
-              <a:rPr lang="zh-TW" altLang="en-US" dirty="0" smtClean="0"/>
+              <a:rPr lang="zh-TW" altLang="en-US" dirty="0"/>
               <a:t> 團隊訂定流程</a:t>
             </a:r>
             <a:r>
-              <a:rPr lang="zh-TW" altLang="en-US" smtClean="0"/>
+              <a:rPr lang="zh-TW" altLang="en-US"/>
               <a:t>與規範</a:t>
             </a:r>
-            <a:endParaRPr lang="en-US" altLang="zh-TW" dirty="0" smtClean="0"/>
+            <a:endParaRPr lang="en-US" altLang="zh-TW" dirty="0"/>
           </a:p>
         </p:txBody>
       </p:sp>
@@ -721,7 +723,7 @@
           <a:p>
             <a:fld id="{F066E22E-594A-4D53-9912-33D1DC08756F}" type="datetimeFigureOut">
               <a:rPr lang="zh-TW" altLang="en-US" smtClean="0"/>
-              <a:t>2018/12/15</a:t>
+              <a:t>2018/12/17</a:t>
             </a:fld>
             <a:endParaRPr lang="zh-TW" altLang="en-US"/>
           </a:p>
@@ -919,7 +921,7 @@
           <a:p>
             <a:fld id="{F066E22E-594A-4D53-9912-33D1DC08756F}" type="datetimeFigureOut">
               <a:rPr lang="zh-TW" altLang="en-US" smtClean="0"/>
-              <a:t>2018/12/15</a:t>
+              <a:t>2018/12/17</a:t>
             </a:fld>
             <a:endParaRPr lang="zh-TW" altLang="en-US"/>
           </a:p>
@@ -1127,7 +1129,7 @@
           <a:p>
             <a:fld id="{F066E22E-594A-4D53-9912-33D1DC08756F}" type="datetimeFigureOut">
               <a:rPr lang="zh-TW" altLang="en-US" smtClean="0"/>
-              <a:t>2018/12/15</a:t>
+              <a:t>2018/12/17</a:t>
             </a:fld>
             <a:endParaRPr lang="zh-TW" altLang="en-US"/>
           </a:p>
@@ -1325,7 +1327,7 @@
           <a:p>
             <a:fld id="{F066E22E-594A-4D53-9912-33D1DC08756F}" type="datetimeFigureOut">
               <a:rPr lang="zh-TW" altLang="en-US" smtClean="0"/>
-              <a:t>2018/12/15</a:t>
+              <a:t>2018/12/17</a:t>
             </a:fld>
             <a:endParaRPr lang="zh-TW" altLang="en-US"/>
           </a:p>
@@ -1600,7 +1602,7 @@
           <a:p>
             <a:fld id="{F066E22E-594A-4D53-9912-33D1DC08756F}" type="datetimeFigureOut">
               <a:rPr lang="zh-TW" altLang="en-US" smtClean="0"/>
-              <a:t>2018/12/15</a:t>
+              <a:t>2018/12/17</a:t>
             </a:fld>
             <a:endParaRPr lang="zh-TW" altLang="en-US"/>
           </a:p>
@@ -1865,7 +1867,7 @@
           <a:p>
             <a:fld id="{F066E22E-594A-4D53-9912-33D1DC08756F}" type="datetimeFigureOut">
               <a:rPr lang="zh-TW" altLang="en-US" smtClean="0"/>
-              <a:t>2018/12/15</a:t>
+              <a:t>2018/12/17</a:t>
             </a:fld>
             <a:endParaRPr lang="zh-TW" altLang="en-US"/>
           </a:p>
@@ -2277,7 +2279,7 @@
           <a:p>
             <a:fld id="{F066E22E-594A-4D53-9912-33D1DC08756F}" type="datetimeFigureOut">
               <a:rPr lang="zh-TW" altLang="en-US" smtClean="0"/>
-              <a:t>2018/12/15</a:t>
+              <a:t>2018/12/17</a:t>
             </a:fld>
             <a:endParaRPr lang="zh-TW" altLang="en-US"/>
           </a:p>
@@ -2418,7 +2420,7 @@
           <a:p>
             <a:fld id="{F066E22E-594A-4D53-9912-33D1DC08756F}" type="datetimeFigureOut">
               <a:rPr lang="zh-TW" altLang="en-US" smtClean="0"/>
-              <a:t>2018/12/15</a:t>
+              <a:t>2018/12/17</a:t>
             </a:fld>
             <a:endParaRPr lang="zh-TW" altLang="en-US"/>
           </a:p>
@@ -2531,7 +2533,7 @@
           <a:p>
             <a:fld id="{F066E22E-594A-4D53-9912-33D1DC08756F}" type="datetimeFigureOut">
               <a:rPr lang="zh-TW" altLang="en-US" smtClean="0"/>
-              <a:t>2018/12/15</a:t>
+              <a:t>2018/12/17</a:t>
             </a:fld>
             <a:endParaRPr lang="zh-TW" altLang="en-US"/>
           </a:p>
@@ -2842,7 +2844,7 @@
           <a:p>
             <a:fld id="{F066E22E-594A-4D53-9912-33D1DC08756F}" type="datetimeFigureOut">
               <a:rPr lang="zh-TW" altLang="en-US" smtClean="0"/>
-              <a:t>2018/12/15</a:t>
+              <a:t>2018/12/17</a:t>
             </a:fld>
             <a:endParaRPr lang="zh-TW" altLang="en-US"/>
           </a:p>
@@ -3130,7 +3132,7 @@
           <a:p>
             <a:fld id="{F066E22E-594A-4D53-9912-33D1DC08756F}" type="datetimeFigureOut">
               <a:rPr lang="zh-TW" altLang="en-US" smtClean="0"/>
-              <a:t>2018/12/15</a:t>
+              <a:t>2018/12/17</a:t>
             </a:fld>
             <a:endParaRPr lang="zh-TW" altLang="en-US"/>
           </a:p>
@@ -3371,7 +3373,7 @@
           <a:p>
             <a:fld id="{F066E22E-594A-4D53-9912-33D1DC08756F}" type="datetimeFigureOut">
               <a:rPr lang="zh-TW" altLang="en-US" smtClean="0"/>
-              <a:t>2018/12/15</a:t>
+              <a:t>2018/12/17</a:t>
             </a:fld>
             <a:endParaRPr lang="zh-TW" altLang="en-US"/>
           </a:p>
@@ -3854,6 +3856,1821 @@
           <p:cNvPr id="2" name="標題 1">
             <a:extLst>
               <a:ext uri="{FF2B5EF4-FFF2-40B4-BE49-F238E27FC236}">
+                <a16:creationId xmlns:a16="http://schemas.microsoft.com/office/drawing/2014/main" id="{41B831E1-2F28-4D6E-A6CE-A3C9FACEF6CC}"/>
+              </a:ext>
+            </a:extLst>
+          </p:cNvPr>
+          <p:cNvSpPr>
+            <a:spLocks noGrp="1"/>
+          </p:cNvSpPr>
+          <p:nvPr>
+            <p:ph type="title"/>
+          </p:nvPr>
+        </p:nvSpPr>
+        <p:spPr/>
+        <p:txBody>
+          <a:bodyPr/>
+          <a:lstStyle/>
+          <a:p>
+            <a:r>
+              <a:rPr lang="zh-TW" altLang="zh-TW" dirty="0">
+                <a:latin typeface="微軟正黑體" panose="020B0604030504040204" pitchFamily="34" charset="-120"/>
+                <a:ea typeface="微軟正黑體" panose="020B0604030504040204" pitchFamily="34" charset="-120"/>
+              </a:rPr>
+              <a:t>陣列</a:t>
+            </a:r>
+            <a:endParaRPr lang="zh-TW" altLang="en-US" dirty="0">
+              <a:latin typeface="微軟正黑體" panose="020B0604030504040204" pitchFamily="34" charset="-120"/>
+              <a:ea typeface="微軟正黑體" panose="020B0604030504040204" pitchFamily="34" charset="-120"/>
+            </a:endParaRPr>
+          </a:p>
+        </p:txBody>
+      </p:sp>
+      <p:sp>
+        <p:nvSpPr>
+          <p:cNvPr id="4" name="內容版面配置區 2">
+            <a:extLst>
+              <a:ext uri="{FF2B5EF4-FFF2-40B4-BE49-F238E27FC236}">
+                <a16:creationId xmlns:a16="http://schemas.microsoft.com/office/drawing/2014/main" id="{13F4E71E-5606-4D68-8106-6EF8EB15B0F1}"/>
+              </a:ext>
+            </a:extLst>
+          </p:cNvPr>
+          <p:cNvSpPr>
+            <a:spLocks noGrp="1"/>
+          </p:cNvSpPr>
+          <p:nvPr>
+            <p:ph idx="1"/>
+          </p:nvPr>
+        </p:nvSpPr>
+        <p:spPr>
+          <a:xfrm>
+            <a:off x="838201" y="1825625"/>
+            <a:ext cx="4697922" cy="4235490"/>
+          </a:xfrm>
+        </p:spPr>
+        <p:txBody>
+          <a:bodyPr/>
+          <a:lstStyle/>
+          <a:p>
+            <a:r>
+              <a:rPr lang="zh-TW" altLang="en-US" dirty="0">
+                <a:latin typeface="微軟正黑體" panose="020B0604030504040204" pitchFamily="34" charset="-120"/>
+                <a:ea typeface="微軟正黑體" panose="020B0604030504040204" pitchFamily="34" charset="-120"/>
+              </a:rPr>
+              <a:t>我們在建立一個物件的時候</a:t>
+            </a:r>
+            <a:r>
+              <a:rPr lang="en-US" altLang="zh-TW" dirty="0">
+                <a:latin typeface="微軟正黑體" panose="020B0604030504040204" pitchFamily="34" charset="-120"/>
+                <a:ea typeface="微軟正黑體" panose="020B0604030504040204" pitchFamily="34" charset="-120"/>
+              </a:rPr>
+              <a:t>,JavaScript </a:t>
+            </a:r>
+            <a:r>
+              <a:rPr lang="zh-TW" altLang="en-US" dirty="0">
+                <a:latin typeface="微軟正黑體" panose="020B0604030504040204" pitchFamily="34" charset="-120"/>
+                <a:ea typeface="微軟正黑體" panose="020B0604030504040204" pitchFamily="34" charset="-120"/>
+              </a:rPr>
+              <a:t>會在記憶體的某處建立起一個物件</a:t>
+            </a:r>
+            <a:r>
+              <a:rPr lang="en-US" altLang="zh-TW" dirty="0">
+                <a:latin typeface="微軟正黑體" panose="020B0604030504040204" pitchFamily="34" charset="-120"/>
+                <a:ea typeface="微軟正黑體" panose="020B0604030504040204" pitchFamily="34" charset="-120"/>
+              </a:rPr>
+              <a:t>(</a:t>
+            </a:r>
+            <a:r>
+              <a:rPr lang="zh-TW" altLang="en-US" dirty="0">
+                <a:latin typeface="微軟正黑體" panose="020B0604030504040204" pitchFamily="34" charset="-120"/>
+                <a:ea typeface="微軟正黑體" panose="020B0604030504040204" pitchFamily="34" charset="-120"/>
+              </a:rPr>
+              <a:t>圖右側</a:t>
+            </a:r>
+            <a:r>
+              <a:rPr lang="en-US" altLang="zh-TW" dirty="0">
+                <a:latin typeface="微軟正黑體" panose="020B0604030504040204" pitchFamily="34" charset="-120"/>
+                <a:ea typeface="微軟正黑體" panose="020B0604030504040204" pitchFamily="34" charset="-120"/>
+              </a:rPr>
+              <a:t>),</a:t>
+            </a:r>
+            <a:r>
+              <a:rPr lang="zh-TW" altLang="en-US" dirty="0">
+                <a:latin typeface="微軟正黑體" panose="020B0604030504040204" pitchFamily="34" charset="-120"/>
+                <a:ea typeface="微軟正黑體" panose="020B0604030504040204" pitchFamily="34" charset="-120"/>
+              </a:rPr>
+              <a:t>然後再將 </a:t>
+            </a:r>
+            <a:r>
+              <a:rPr lang="en-US" altLang="zh-TW" dirty="0" err="1">
+                <a:latin typeface="微軟正黑體" panose="020B0604030504040204" pitchFamily="34" charset="-120"/>
+                <a:ea typeface="微軟正黑體" panose="020B0604030504040204" pitchFamily="34" charset="-120"/>
+              </a:rPr>
+              <a:t>arrayA</a:t>
+            </a:r>
+            <a:r>
+              <a:rPr lang="zh-TW" altLang="en-US" dirty="0">
+                <a:latin typeface="微軟正黑體" panose="020B0604030504040204" pitchFamily="34" charset="-120"/>
+                <a:ea typeface="微軟正黑體" panose="020B0604030504040204" pitchFamily="34" charset="-120"/>
+              </a:rPr>
+              <a:t>變數指向新生成的物件。</a:t>
+            </a:r>
+            <a:endParaRPr lang="en-US" altLang="zh-TW" dirty="0">
+              <a:latin typeface="微軟正黑體" panose="020B0604030504040204" pitchFamily="34" charset="-120"/>
+              <a:ea typeface="微軟正黑體" panose="020B0604030504040204" pitchFamily="34" charset="-120"/>
+            </a:endParaRPr>
+          </a:p>
+        </p:txBody>
+      </p:sp>
+      <p:sp>
+        <p:nvSpPr>
+          <p:cNvPr id="5" name="文字方塊 4">
+            <a:extLst>
+              <a:ext uri="{FF2B5EF4-FFF2-40B4-BE49-F238E27FC236}">
+                <a16:creationId xmlns:a16="http://schemas.microsoft.com/office/drawing/2014/main" id="{EF60F5A9-CCFF-4648-BDFF-957B64002AB2}"/>
+              </a:ext>
+            </a:extLst>
+          </p:cNvPr>
+          <p:cNvSpPr txBox="1"/>
+          <p:nvPr/>
+        </p:nvSpPr>
+        <p:spPr>
+          <a:xfrm>
+            <a:off x="5756549" y="5389144"/>
+            <a:ext cx="5882920" cy="461665"/>
+          </a:xfrm>
+          <a:prstGeom prst="rect">
+            <a:avLst/>
+          </a:prstGeom>
+          <a:solidFill>
+            <a:schemeClr val="tx1">
+              <a:lumMod val="65000"/>
+              <a:lumOff val="35000"/>
+            </a:schemeClr>
+          </a:solidFill>
+        </p:spPr>
+        <p:txBody>
+          <a:bodyPr wrap="square" rtlCol="0">
+            <a:spAutoFit/>
+          </a:bodyPr>
+          <a:lstStyle/>
+          <a:p>
+            <a:r>
+              <a:rPr lang="en-US" altLang="zh-TW" sz="2400" b="1" dirty="0">
+                <a:solidFill>
+                  <a:srgbClr val="569CD6"/>
+                </a:solidFill>
+                <a:latin typeface="Fira Code"/>
+              </a:rPr>
+              <a:t>var</a:t>
+            </a:r>
+            <a:r>
+              <a:rPr lang="en-US" altLang="zh-TW" sz="2400" b="1" dirty="0">
+                <a:solidFill>
+                  <a:srgbClr val="D4D4D4"/>
+                </a:solidFill>
+                <a:latin typeface="Fira Code"/>
+              </a:rPr>
+              <a:t> </a:t>
+            </a:r>
+            <a:r>
+              <a:rPr lang="en-US" altLang="zh-TW" sz="2400" b="1" dirty="0" err="1">
+                <a:solidFill>
+                  <a:srgbClr val="9CDCFE"/>
+                </a:solidFill>
+                <a:latin typeface="Fira Code"/>
+              </a:rPr>
+              <a:t>arrayA</a:t>
+            </a:r>
+            <a:r>
+              <a:rPr lang="en-US" altLang="zh-TW" sz="2400" b="1" dirty="0">
+                <a:solidFill>
+                  <a:srgbClr val="D4D4D4"/>
+                </a:solidFill>
+                <a:latin typeface="Fira Code"/>
+              </a:rPr>
+              <a:t> = [</a:t>
+            </a:r>
+            <a:r>
+              <a:rPr lang="en-US" altLang="zh-TW" sz="2400" b="1" dirty="0">
+                <a:solidFill>
+                  <a:srgbClr val="B5CEA8"/>
+                </a:solidFill>
+                <a:latin typeface="Fira Code"/>
+              </a:rPr>
+              <a:t>1</a:t>
+            </a:r>
+            <a:r>
+              <a:rPr lang="en-US" altLang="zh-TW" sz="2400" b="1" dirty="0">
+                <a:solidFill>
+                  <a:srgbClr val="D4D4D4"/>
+                </a:solidFill>
+                <a:latin typeface="Fira Code"/>
+              </a:rPr>
+              <a:t>, </a:t>
+            </a:r>
+            <a:r>
+              <a:rPr lang="en-US" altLang="zh-TW" sz="2400" b="1" dirty="0">
+                <a:solidFill>
+                  <a:srgbClr val="B5CEA8"/>
+                </a:solidFill>
+                <a:latin typeface="Fira Code"/>
+              </a:rPr>
+              <a:t>2</a:t>
+            </a:r>
+            <a:r>
+              <a:rPr lang="en-US" altLang="zh-TW" sz="2400" b="1" dirty="0">
+                <a:solidFill>
+                  <a:srgbClr val="D4D4D4"/>
+                </a:solidFill>
+                <a:latin typeface="Fira Code"/>
+              </a:rPr>
+              <a:t>, </a:t>
+            </a:r>
+            <a:r>
+              <a:rPr lang="en-US" altLang="zh-TW" sz="2400" b="1" dirty="0">
+                <a:solidFill>
+                  <a:srgbClr val="B5CEA8"/>
+                </a:solidFill>
+                <a:latin typeface="Fira Code"/>
+              </a:rPr>
+              <a:t>3</a:t>
+            </a:r>
+            <a:r>
+              <a:rPr lang="en-US" altLang="zh-TW" sz="2400" b="1" dirty="0">
+                <a:solidFill>
+                  <a:srgbClr val="D4D4D4"/>
+                </a:solidFill>
+                <a:latin typeface="Fira Code"/>
+              </a:rPr>
+              <a:t>];</a:t>
+            </a:r>
+          </a:p>
+        </p:txBody>
+      </p:sp>
+      <p:sp>
+        <p:nvSpPr>
+          <p:cNvPr id="6" name="文字方塊 5">
+            <a:extLst>
+              <a:ext uri="{FF2B5EF4-FFF2-40B4-BE49-F238E27FC236}">
+                <a16:creationId xmlns:a16="http://schemas.microsoft.com/office/drawing/2014/main" id="{339C2F65-16E9-4147-9451-0FD9909B3878}"/>
+              </a:ext>
+            </a:extLst>
+          </p:cNvPr>
+          <p:cNvSpPr txBox="1"/>
+          <p:nvPr/>
+        </p:nvSpPr>
+        <p:spPr>
+          <a:xfrm>
+            <a:off x="838200" y="5691783"/>
+            <a:ext cx="877163" cy="369332"/>
+          </a:xfrm>
+          <a:prstGeom prst="rect">
+            <a:avLst/>
+          </a:prstGeom>
+          <a:noFill/>
+        </p:spPr>
+        <p:txBody>
+          <a:bodyPr wrap="none" rtlCol="0">
+            <a:spAutoFit/>
+          </a:bodyPr>
+          <a:lstStyle/>
+          <a:p>
+            <a:r>
+              <a:rPr lang="zh-TW" altLang="en-US" b="1" dirty="0">
+                <a:latin typeface="微軟正黑體" panose="020B0604030504040204" pitchFamily="34" charset="-120"/>
+                <a:ea typeface="微軟正黑體" panose="020B0604030504040204" pitchFamily="34" charset="-120"/>
+              </a:rPr>
+              <a:t>周本諴</a:t>
+            </a:r>
+          </a:p>
+        </p:txBody>
+      </p:sp>
+      <p:cxnSp>
+        <p:nvCxnSpPr>
+          <p:cNvPr id="7" name="直線接點 6">
+            <a:extLst>
+              <a:ext uri="{FF2B5EF4-FFF2-40B4-BE49-F238E27FC236}">
+                <a16:creationId xmlns:a16="http://schemas.microsoft.com/office/drawing/2014/main" id="{CA38C0AC-00B9-41B9-85AB-7836D7D3E6B8}"/>
+              </a:ext>
+            </a:extLst>
+          </p:cNvPr>
+          <p:cNvCxnSpPr>
+            <a:cxnSpLocks/>
+          </p:cNvCxnSpPr>
+          <p:nvPr/>
+        </p:nvCxnSpPr>
+        <p:spPr>
+          <a:xfrm>
+            <a:off x="914400" y="1442906"/>
+            <a:ext cx="10439400" cy="0"/>
+          </a:xfrm>
+          <a:prstGeom prst="line">
+            <a:avLst/>
+          </a:prstGeom>
+          <a:ln w="28575">
+            <a:solidFill>
+              <a:srgbClr val="569CD6"/>
+            </a:solidFill>
+          </a:ln>
+        </p:spPr>
+        <p:style>
+          <a:lnRef idx="1">
+            <a:schemeClr val="accent1"/>
+          </a:lnRef>
+          <a:fillRef idx="0">
+            <a:schemeClr val="accent1"/>
+          </a:fillRef>
+          <a:effectRef idx="0">
+            <a:schemeClr val="accent1"/>
+          </a:effectRef>
+          <a:fontRef idx="minor">
+            <a:schemeClr val="tx1"/>
+          </a:fontRef>
+        </p:style>
+      </p:cxnSp>
+      <p:pic>
+        <p:nvPicPr>
+          <p:cNvPr id="10" name="圖片 9">
+            <a:extLst>
+              <a:ext uri="{FF2B5EF4-FFF2-40B4-BE49-F238E27FC236}">
+                <a16:creationId xmlns:a16="http://schemas.microsoft.com/office/drawing/2014/main" id="{BD4EB98C-69DB-4A53-A3EB-A38D180F4447}"/>
+              </a:ext>
+            </a:extLst>
+          </p:cNvPr>
+          <p:cNvPicPr>
+            <a:picLocks noChangeAspect="1"/>
+          </p:cNvPicPr>
+          <p:nvPr/>
+        </p:nvPicPr>
+        <p:blipFill>
+          <a:blip r:embed="rId2">
+            <a:extLst>
+              <a:ext uri="{28A0092B-C50C-407E-A947-70E740481C1C}">
+                <a14:useLocalDpi xmlns:a14="http://schemas.microsoft.com/office/drawing/2010/main" val="0"/>
+              </a:ext>
+            </a:extLst>
+          </a:blip>
+          <a:stretch>
+            <a:fillRect/>
+          </a:stretch>
+        </p:blipFill>
+        <p:spPr>
+          <a:xfrm>
+            <a:off x="5595457" y="1825625"/>
+            <a:ext cx="6205105" cy="3311666"/>
+          </a:xfrm>
+          <a:prstGeom prst="rect">
+            <a:avLst/>
+          </a:prstGeom>
+        </p:spPr>
+      </p:pic>
+      <p:grpSp>
+        <p:nvGrpSpPr>
+          <p:cNvPr id="13" name="群組 12">
+            <a:extLst>
+              <a:ext uri="{FF2B5EF4-FFF2-40B4-BE49-F238E27FC236}">
+                <a16:creationId xmlns:a16="http://schemas.microsoft.com/office/drawing/2014/main" id="{FD6A51E6-08B7-4016-B959-AEBB814E49C5}"/>
+              </a:ext>
+            </a:extLst>
+          </p:cNvPr>
+          <p:cNvGrpSpPr/>
+          <p:nvPr/>
+        </p:nvGrpSpPr>
+        <p:grpSpPr>
+          <a:xfrm>
+            <a:off x="6502120" y="2369628"/>
+            <a:ext cx="894360" cy="878961"/>
+            <a:chOff x="12568985" y="1268399"/>
+            <a:chExt cx="894360" cy="878961"/>
+          </a:xfrm>
+        </p:grpSpPr>
+        <p:sp>
+          <p:nvSpPr>
+            <p:cNvPr id="12" name="橢圓 11">
+              <a:extLst>
+                <a:ext uri="{FF2B5EF4-FFF2-40B4-BE49-F238E27FC236}">
+                  <a16:creationId xmlns:a16="http://schemas.microsoft.com/office/drawing/2014/main" id="{92E72F0A-E741-4CEF-9F75-ADF4ADCE1B47}"/>
+                </a:ext>
+              </a:extLst>
+            </p:cNvPr>
+            <p:cNvSpPr/>
+            <p:nvPr/>
+          </p:nvSpPr>
+          <p:spPr>
+            <a:xfrm>
+              <a:off x="12568985" y="1268399"/>
+              <a:ext cx="894360" cy="878961"/>
+            </a:xfrm>
+            <a:prstGeom prst="ellipse">
+              <a:avLst/>
+            </a:prstGeom>
+            <a:solidFill>
+              <a:srgbClr val="F315A4"/>
+            </a:solidFill>
+          </p:spPr>
+          <p:style>
+            <a:lnRef idx="2">
+              <a:schemeClr val="accent1">
+                <a:shade val="50000"/>
+              </a:schemeClr>
+            </a:lnRef>
+            <a:fillRef idx="1">
+              <a:schemeClr val="accent1"/>
+            </a:fillRef>
+            <a:effectRef idx="0">
+              <a:schemeClr val="accent1"/>
+            </a:effectRef>
+            <a:fontRef idx="minor">
+              <a:schemeClr val="lt1"/>
+            </a:fontRef>
+          </p:style>
+          <p:txBody>
+            <a:bodyPr rtlCol="0" anchor="ctr"/>
+            <a:lstStyle/>
+            <a:p>
+              <a:pPr algn="ctr"/>
+              <a:endParaRPr lang="zh-TW" altLang="en-US"/>
+            </a:p>
+          </p:txBody>
+        </p:sp>
+        <p:sp>
+          <p:nvSpPr>
+            <p:cNvPr id="11" name="文字方塊 10">
+              <a:extLst>
+                <a:ext uri="{FF2B5EF4-FFF2-40B4-BE49-F238E27FC236}">
+                  <a16:creationId xmlns:a16="http://schemas.microsoft.com/office/drawing/2014/main" id="{51BDB37D-E799-471A-A323-C45ECA19AFB9}"/>
+                </a:ext>
+              </a:extLst>
+            </p:cNvPr>
+            <p:cNvSpPr txBox="1"/>
+            <p:nvPr/>
+          </p:nvSpPr>
+          <p:spPr>
+            <a:xfrm>
+              <a:off x="12609625" y="1513054"/>
+              <a:ext cx="794385" cy="369332"/>
+            </a:xfrm>
+            <a:prstGeom prst="rect">
+              <a:avLst/>
+            </a:prstGeom>
+            <a:noFill/>
+          </p:spPr>
+          <p:txBody>
+            <a:bodyPr wrap="none" rtlCol="0">
+              <a:spAutoFit/>
+            </a:bodyPr>
+            <a:lstStyle/>
+            <a:p>
+              <a:r>
+                <a:rPr lang="en-US" altLang="zh-TW" dirty="0" err="1">
+                  <a:solidFill>
+                    <a:schemeClr val="bg1"/>
+                  </a:solidFill>
+                </a:rPr>
+                <a:t>arrayA</a:t>
+              </a:r>
+              <a:endParaRPr lang="zh-TW" altLang="en-US" dirty="0">
+                <a:solidFill>
+                  <a:schemeClr val="bg1"/>
+                </a:solidFill>
+              </a:endParaRPr>
+            </a:p>
+          </p:txBody>
+        </p:sp>
+      </p:grpSp>
+    </p:spTree>
+    <p:extLst>
+      <p:ext uri="{BB962C8B-B14F-4D97-AF65-F5344CB8AC3E}">
+        <p14:creationId xmlns:p14="http://schemas.microsoft.com/office/powerpoint/2010/main" val="2557310085"/>
+      </p:ext>
+    </p:extLst>
+  </p:cSld>
+  <p:clrMapOvr>
+    <a:masterClrMapping/>
+  </p:clrMapOvr>
+</p:sld>
+</file>
+
+<file path=ppt/slides/slide11.xml><?xml version="1.0" encoding="utf-8"?>
+<p:sld xmlns:a="http://schemas.openxmlformats.org/drawingml/2006/main" xmlns:r="http://schemas.openxmlformats.org/officeDocument/2006/relationships" xmlns:p="http://schemas.openxmlformats.org/presentationml/2006/main">
+  <p:cSld>
+    <p:spTree>
+      <p:nvGrpSpPr>
+        <p:cNvPr id="1" name=""/>
+        <p:cNvGrpSpPr/>
+        <p:nvPr/>
+      </p:nvGrpSpPr>
+      <p:grpSpPr>
+        <a:xfrm>
+          <a:off x="0" y="0"/>
+          <a:ext cx="0" cy="0"/>
+          <a:chOff x="0" y="0"/>
+          <a:chExt cx="0" cy="0"/>
+        </a:xfrm>
+      </p:grpSpPr>
+      <p:sp>
+        <p:nvSpPr>
+          <p:cNvPr id="2" name="標題 1">
+            <a:extLst>
+              <a:ext uri="{FF2B5EF4-FFF2-40B4-BE49-F238E27FC236}">
+                <a16:creationId xmlns:a16="http://schemas.microsoft.com/office/drawing/2014/main" id="{41B831E1-2F28-4D6E-A6CE-A3C9FACEF6CC}"/>
+              </a:ext>
+            </a:extLst>
+          </p:cNvPr>
+          <p:cNvSpPr>
+            <a:spLocks noGrp="1"/>
+          </p:cNvSpPr>
+          <p:nvPr>
+            <p:ph type="title"/>
+          </p:nvPr>
+        </p:nvSpPr>
+        <p:spPr/>
+        <p:txBody>
+          <a:bodyPr/>
+          <a:lstStyle/>
+          <a:p>
+            <a:r>
+              <a:rPr lang="zh-TW" altLang="zh-TW" dirty="0">
+                <a:latin typeface="微軟正黑體" panose="020B0604030504040204" pitchFamily="34" charset="-120"/>
+                <a:ea typeface="微軟正黑體" panose="020B0604030504040204" pitchFamily="34" charset="-120"/>
+              </a:rPr>
+              <a:t>陣列</a:t>
+            </a:r>
+            <a:endParaRPr lang="zh-TW" altLang="en-US" dirty="0">
+              <a:latin typeface="微軟正黑體" panose="020B0604030504040204" pitchFamily="34" charset="-120"/>
+              <a:ea typeface="微軟正黑體" panose="020B0604030504040204" pitchFamily="34" charset="-120"/>
+            </a:endParaRPr>
+          </a:p>
+        </p:txBody>
+      </p:sp>
+      <p:sp>
+        <p:nvSpPr>
+          <p:cNvPr id="4" name="內容版面配置區 2">
+            <a:extLst>
+              <a:ext uri="{FF2B5EF4-FFF2-40B4-BE49-F238E27FC236}">
+                <a16:creationId xmlns:a16="http://schemas.microsoft.com/office/drawing/2014/main" id="{13F4E71E-5606-4D68-8106-6EF8EB15B0F1}"/>
+              </a:ext>
+            </a:extLst>
+          </p:cNvPr>
+          <p:cNvSpPr>
+            <a:spLocks noGrp="1"/>
+          </p:cNvSpPr>
+          <p:nvPr>
+            <p:ph idx="1"/>
+          </p:nvPr>
+        </p:nvSpPr>
+        <p:spPr>
+          <a:xfrm>
+            <a:off x="838200" y="1825625"/>
+            <a:ext cx="4757257" cy="4351338"/>
+          </a:xfrm>
+        </p:spPr>
+        <p:txBody>
+          <a:bodyPr/>
+          <a:lstStyle/>
+          <a:p>
+            <a:r>
+              <a:rPr lang="zh-TW" altLang="en-US" dirty="0">
+                <a:latin typeface="微軟正黑體" panose="020B0604030504040204" pitchFamily="34" charset="-120"/>
+                <a:ea typeface="微軟正黑體" panose="020B0604030504040204" pitchFamily="34" charset="-120"/>
+              </a:rPr>
+              <a:t>當宣告第二個變數 </a:t>
+            </a:r>
+            <a:r>
+              <a:rPr lang="en-US" altLang="zh-TW" dirty="0" err="1">
+                <a:latin typeface="微軟正黑體" panose="020B0604030504040204" pitchFamily="34" charset="-120"/>
+                <a:ea typeface="微軟正黑體" panose="020B0604030504040204" pitchFamily="34" charset="-120"/>
+              </a:rPr>
+              <a:t>arrayB</a:t>
+            </a:r>
+            <a:r>
+              <a:rPr lang="zh-TW" altLang="en-US" dirty="0">
+                <a:latin typeface="微軟正黑體" panose="020B0604030504040204" pitchFamily="34" charset="-120"/>
+                <a:ea typeface="微軟正黑體" panose="020B0604030504040204" pitchFamily="34" charset="-120"/>
+              </a:rPr>
+              <a:t>之後</a:t>
+            </a:r>
+            <a:r>
+              <a:rPr lang="en-US" altLang="zh-TW" dirty="0">
+                <a:latin typeface="微軟正黑體" panose="020B0604030504040204" pitchFamily="34" charset="-120"/>
+                <a:ea typeface="微軟正黑體" panose="020B0604030504040204" pitchFamily="34" charset="-120"/>
+              </a:rPr>
+              <a:t>,</a:t>
+            </a:r>
+            <a:r>
+              <a:rPr lang="zh-TW" altLang="en-US" dirty="0">
+                <a:latin typeface="微軟正黑體" panose="020B0604030504040204" pitchFamily="34" charset="-120"/>
+                <a:ea typeface="微軟正黑體" panose="020B0604030504040204" pitchFamily="34" charset="-120"/>
+              </a:rPr>
+              <a:t>並透過 </a:t>
+            </a:r>
+            <a:r>
+              <a:rPr lang="en-US" altLang="zh-TW" dirty="0">
+                <a:latin typeface="微軟正黑體" panose="020B0604030504040204" pitchFamily="34" charset="-120"/>
+                <a:ea typeface="微軟正黑體" panose="020B0604030504040204" pitchFamily="34" charset="-120"/>
+              </a:rPr>
+              <a:t>=</a:t>
+            </a:r>
+            <a:r>
+              <a:rPr lang="zh-TW" altLang="en-US" dirty="0">
+                <a:latin typeface="微軟正黑體" panose="020B0604030504040204" pitchFamily="34" charset="-120"/>
+                <a:ea typeface="微軟正黑體" panose="020B0604030504040204" pitchFamily="34" charset="-120"/>
+              </a:rPr>
+              <a:t> 將 </a:t>
+            </a:r>
+            <a:r>
+              <a:rPr lang="en-US" altLang="zh-TW" dirty="0" err="1">
+                <a:latin typeface="微軟正黑體" panose="020B0604030504040204" pitchFamily="34" charset="-120"/>
+                <a:ea typeface="微軟正黑體" panose="020B0604030504040204" pitchFamily="34" charset="-120"/>
+              </a:rPr>
+              <a:t>arrayB</a:t>
+            </a:r>
+            <a:r>
+              <a:rPr lang="zh-TW" altLang="en-US" dirty="0">
+                <a:latin typeface="微軟正黑體" panose="020B0604030504040204" pitchFamily="34" charset="-120"/>
+                <a:ea typeface="微軟正黑體" panose="020B0604030504040204" pitchFamily="34" charset="-120"/>
+              </a:rPr>
+              <a:t> 指向 </a:t>
+            </a:r>
+            <a:r>
+              <a:rPr lang="en-US" altLang="zh-TW" dirty="0" err="1">
+                <a:latin typeface="微軟正黑體" panose="020B0604030504040204" pitchFamily="34" charset="-120"/>
+                <a:ea typeface="微軟正黑體" panose="020B0604030504040204" pitchFamily="34" charset="-120"/>
+              </a:rPr>
+              <a:t>arrayA</a:t>
+            </a:r>
+            <a:r>
+              <a:rPr lang="en-US" altLang="zh-TW" dirty="0">
+                <a:latin typeface="微軟正黑體" panose="020B0604030504040204" pitchFamily="34" charset="-120"/>
+                <a:ea typeface="微軟正黑體" panose="020B0604030504040204" pitchFamily="34" charset="-120"/>
+              </a:rPr>
+              <a:t> </a:t>
+            </a:r>
+            <a:r>
+              <a:rPr lang="zh-TW" altLang="en-US" dirty="0">
+                <a:latin typeface="微軟正黑體" panose="020B0604030504040204" pitchFamily="34" charset="-120"/>
+                <a:ea typeface="微軟正黑體" panose="020B0604030504040204" pitchFamily="34" charset="-120"/>
+              </a:rPr>
+              <a:t>的位置。</a:t>
+            </a:r>
+            <a:endParaRPr lang="en-US" altLang="zh-TW" dirty="0">
+              <a:latin typeface="微軟正黑體" panose="020B0604030504040204" pitchFamily="34" charset="-120"/>
+              <a:ea typeface="微軟正黑體" panose="020B0604030504040204" pitchFamily="34" charset="-120"/>
+            </a:endParaRPr>
+          </a:p>
+          <a:p>
+            <a:pPr marL="0" indent="0">
+              <a:buNone/>
+            </a:pPr>
+            <a:endParaRPr lang="en-US" altLang="zh-TW" dirty="0">
+              <a:latin typeface="微軟正黑體" panose="020B0604030504040204" pitchFamily="34" charset="-120"/>
+              <a:ea typeface="微軟正黑體" panose="020B0604030504040204" pitchFamily="34" charset="-120"/>
+            </a:endParaRPr>
+          </a:p>
+          <a:p>
+            <a:r>
+              <a:rPr lang="zh-TW" altLang="en-US" dirty="0"/>
+              <a:t>透過引用參考的方式來傳遞資料</a:t>
+            </a:r>
+            <a:r>
+              <a:rPr lang="en-US" altLang="zh-TW" dirty="0">
+                <a:latin typeface="微軟正黑體" panose="020B0604030504040204" pitchFamily="34" charset="-120"/>
+                <a:ea typeface="微軟正黑體" panose="020B0604030504040204" pitchFamily="34" charset="-120"/>
+              </a:rPr>
+              <a:t>,</a:t>
+            </a:r>
+            <a:r>
+              <a:rPr lang="zh-TW" altLang="en-US" dirty="0">
+                <a:latin typeface="微軟正黑體" panose="020B0604030504040204" pitchFamily="34" charset="-120"/>
+                <a:ea typeface="微軟正黑體" panose="020B0604030504040204" pitchFamily="34" charset="-120"/>
+              </a:rPr>
+              <a:t>讓</a:t>
+            </a:r>
+            <a:r>
+              <a:rPr lang="en-US" altLang="zh-TW" dirty="0" err="1">
+                <a:latin typeface="微軟正黑體" panose="020B0604030504040204" pitchFamily="34" charset="-120"/>
+                <a:ea typeface="微軟正黑體" panose="020B0604030504040204" pitchFamily="34" charset="-120"/>
+              </a:rPr>
+              <a:t>arrayA</a:t>
+            </a:r>
+            <a:r>
+              <a:rPr lang="zh-TW" altLang="en-US" dirty="0">
+                <a:latin typeface="微軟正黑體" panose="020B0604030504040204" pitchFamily="34" charset="-120"/>
+                <a:ea typeface="微軟正黑體" panose="020B0604030504040204" pitchFamily="34" charset="-120"/>
+              </a:rPr>
+              <a:t>與</a:t>
+            </a:r>
+            <a:r>
+              <a:rPr lang="en-US" altLang="zh-TW" dirty="0" err="1">
+                <a:latin typeface="微軟正黑體" panose="020B0604030504040204" pitchFamily="34" charset="-120"/>
+                <a:ea typeface="微軟正黑體" panose="020B0604030504040204" pitchFamily="34" charset="-120"/>
+              </a:rPr>
+              <a:t>arrayB</a:t>
+            </a:r>
+            <a:r>
+              <a:rPr lang="zh-TW" altLang="en-US" dirty="0">
+                <a:latin typeface="微軟正黑體" panose="020B0604030504040204" pitchFamily="34" charset="-120"/>
+                <a:ea typeface="微軟正黑體" panose="020B0604030504040204" pitchFamily="34" charset="-120"/>
+              </a:rPr>
+              <a:t>兩個變數指向記憶體同一個實體位子。</a:t>
+            </a:r>
+            <a:endParaRPr lang="en-US" altLang="zh-TW" dirty="0">
+              <a:latin typeface="微軟正黑體" panose="020B0604030504040204" pitchFamily="34" charset="-120"/>
+              <a:ea typeface="微軟正黑體" panose="020B0604030504040204" pitchFamily="34" charset="-120"/>
+            </a:endParaRPr>
+          </a:p>
+          <a:p>
+            <a:endParaRPr lang="en-US" altLang="zh-TW" dirty="0">
+              <a:latin typeface="微軟正黑體" panose="020B0604030504040204" pitchFamily="34" charset="-120"/>
+              <a:ea typeface="微軟正黑體" panose="020B0604030504040204" pitchFamily="34" charset="-120"/>
+            </a:endParaRPr>
+          </a:p>
+        </p:txBody>
+      </p:sp>
+      <p:sp>
+        <p:nvSpPr>
+          <p:cNvPr id="6" name="文字方塊 5">
+            <a:extLst>
+              <a:ext uri="{FF2B5EF4-FFF2-40B4-BE49-F238E27FC236}">
+                <a16:creationId xmlns:a16="http://schemas.microsoft.com/office/drawing/2014/main" id="{339C2F65-16E9-4147-9451-0FD9909B3878}"/>
+              </a:ext>
+            </a:extLst>
+          </p:cNvPr>
+          <p:cNvSpPr txBox="1"/>
+          <p:nvPr/>
+        </p:nvSpPr>
+        <p:spPr>
+          <a:xfrm>
+            <a:off x="838200" y="5691783"/>
+            <a:ext cx="877163" cy="369332"/>
+          </a:xfrm>
+          <a:prstGeom prst="rect">
+            <a:avLst/>
+          </a:prstGeom>
+          <a:noFill/>
+        </p:spPr>
+        <p:txBody>
+          <a:bodyPr wrap="none" rtlCol="0">
+            <a:spAutoFit/>
+          </a:bodyPr>
+          <a:lstStyle/>
+          <a:p>
+            <a:r>
+              <a:rPr lang="zh-TW" altLang="en-US" b="1" dirty="0">
+                <a:latin typeface="微軟正黑體" panose="020B0604030504040204" pitchFamily="34" charset="-120"/>
+                <a:ea typeface="微軟正黑體" panose="020B0604030504040204" pitchFamily="34" charset="-120"/>
+              </a:rPr>
+              <a:t>周本諴</a:t>
+            </a:r>
+          </a:p>
+        </p:txBody>
+      </p:sp>
+      <p:cxnSp>
+        <p:nvCxnSpPr>
+          <p:cNvPr id="7" name="直線接點 6">
+            <a:extLst>
+              <a:ext uri="{FF2B5EF4-FFF2-40B4-BE49-F238E27FC236}">
+                <a16:creationId xmlns:a16="http://schemas.microsoft.com/office/drawing/2014/main" id="{CA38C0AC-00B9-41B9-85AB-7836D7D3E6B8}"/>
+              </a:ext>
+            </a:extLst>
+          </p:cNvPr>
+          <p:cNvCxnSpPr>
+            <a:cxnSpLocks/>
+          </p:cNvCxnSpPr>
+          <p:nvPr/>
+        </p:nvCxnSpPr>
+        <p:spPr>
+          <a:xfrm>
+            <a:off x="914400" y="1442906"/>
+            <a:ext cx="10439400" cy="0"/>
+          </a:xfrm>
+          <a:prstGeom prst="line">
+            <a:avLst/>
+          </a:prstGeom>
+          <a:ln w="28575">
+            <a:solidFill>
+              <a:srgbClr val="569CD6"/>
+            </a:solidFill>
+          </a:ln>
+        </p:spPr>
+        <p:style>
+          <a:lnRef idx="1">
+            <a:schemeClr val="accent1"/>
+          </a:lnRef>
+          <a:fillRef idx="0">
+            <a:schemeClr val="accent1"/>
+          </a:fillRef>
+          <a:effectRef idx="0">
+            <a:schemeClr val="accent1"/>
+          </a:effectRef>
+          <a:fontRef idx="minor">
+            <a:schemeClr val="tx1"/>
+          </a:fontRef>
+        </p:style>
+      </p:cxnSp>
+      <p:pic>
+        <p:nvPicPr>
+          <p:cNvPr id="10" name="圖片 9">
+            <a:extLst>
+              <a:ext uri="{FF2B5EF4-FFF2-40B4-BE49-F238E27FC236}">
+                <a16:creationId xmlns:a16="http://schemas.microsoft.com/office/drawing/2014/main" id="{BD4EB98C-69DB-4A53-A3EB-A38D180F4447}"/>
+              </a:ext>
+            </a:extLst>
+          </p:cNvPr>
+          <p:cNvPicPr>
+            <a:picLocks noChangeAspect="1"/>
+          </p:cNvPicPr>
+          <p:nvPr/>
+        </p:nvPicPr>
+        <p:blipFill>
+          <a:blip r:embed="rId2">
+            <a:extLst>
+              <a:ext uri="{28A0092B-C50C-407E-A947-70E740481C1C}">
+                <a14:useLocalDpi xmlns:a14="http://schemas.microsoft.com/office/drawing/2010/main" val="0"/>
+              </a:ext>
+            </a:extLst>
+          </a:blip>
+          <a:stretch>
+            <a:fillRect/>
+          </a:stretch>
+        </p:blipFill>
+        <p:spPr>
+          <a:xfrm>
+            <a:off x="5595457" y="1825625"/>
+            <a:ext cx="6205105" cy="3311666"/>
+          </a:xfrm>
+          <a:prstGeom prst="rect">
+            <a:avLst/>
+          </a:prstGeom>
+        </p:spPr>
+      </p:pic>
+      <p:grpSp>
+        <p:nvGrpSpPr>
+          <p:cNvPr id="13" name="群組 12">
+            <a:extLst>
+              <a:ext uri="{FF2B5EF4-FFF2-40B4-BE49-F238E27FC236}">
+                <a16:creationId xmlns:a16="http://schemas.microsoft.com/office/drawing/2014/main" id="{FD6A51E6-08B7-4016-B959-AEBB814E49C5}"/>
+              </a:ext>
+            </a:extLst>
+          </p:cNvPr>
+          <p:cNvGrpSpPr/>
+          <p:nvPr/>
+        </p:nvGrpSpPr>
+        <p:grpSpPr>
+          <a:xfrm>
+            <a:off x="6502120" y="2369628"/>
+            <a:ext cx="894360" cy="878961"/>
+            <a:chOff x="12568985" y="1268399"/>
+            <a:chExt cx="894360" cy="878961"/>
+          </a:xfrm>
+        </p:grpSpPr>
+        <p:sp>
+          <p:nvSpPr>
+            <p:cNvPr id="12" name="橢圓 11">
+              <a:extLst>
+                <a:ext uri="{FF2B5EF4-FFF2-40B4-BE49-F238E27FC236}">
+                  <a16:creationId xmlns:a16="http://schemas.microsoft.com/office/drawing/2014/main" id="{92E72F0A-E741-4CEF-9F75-ADF4ADCE1B47}"/>
+                </a:ext>
+              </a:extLst>
+            </p:cNvPr>
+            <p:cNvSpPr/>
+            <p:nvPr/>
+          </p:nvSpPr>
+          <p:spPr>
+            <a:xfrm>
+              <a:off x="12568985" y="1268399"/>
+              <a:ext cx="894360" cy="878961"/>
+            </a:xfrm>
+            <a:prstGeom prst="ellipse">
+              <a:avLst/>
+            </a:prstGeom>
+            <a:solidFill>
+              <a:srgbClr val="F315A4"/>
+            </a:solidFill>
+          </p:spPr>
+          <p:style>
+            <a:lnRef idx="2">
+              <a:schemeClr val="accent1">
+                <a:shade val="50000"/>
+              </a:schemeClr>
+            </a:lnRef>
+            <a:fillRef idx="1">
+              <a:schemeClr val="accent1"/>
+            </a:fillRef>
+            <a:effectRef idx="0">
+              <a:schemeClr val="accent1"/>
+            </a:effectRef>
+            <a:fontRef idx="minor">
+              <a:schemeClr val="lt1"/>
+            </a:fontRef>
+          </p:style>
+          <p:txBody>
+            <a:bodyPr rtlCol="0" anchor="ctr"/>
+            <a:lstStyle/>
+            <a:p>
+              <a:pPr algn="ctr"/>
+              <a:endParaRPr lang="zh-TW" altLang="en-US"/>
+            </a:p>
+          </p:txBody>
+        </p:sp>
+        <p:sp>
+          <p:nvSpPr>
+            <p:cNvPr id="11" name="文字方塊 10">
+              <a:extLst>
+                <a:ext uri="{FF2B5EF4-FFF2-40B4-BE49-F238E27FC236}">
+                  <a16:creationId xmlns:a16="http://schemas.microsoft.com/office/drawing/2014/main" id="{51BDB37D-E799-471A-A323-C45ECA19AFB9}"/>
+                </a:ext>
+              </a:extLst>
+            </p:cNvPr>
+            <p:cNvSpPr txBox="1"/>
+            <p:nvPr/>
+          </p:nvSpPr>
+          <p:spPr>
+            <a:xfrm>
+              <a:off x="12609625" y="1513054"/>
+              <a:ext cx="794385" cy="369332"/>
+            </a:xfrm>
+            <a:prstGeom prst="rect">
+              <a:avLst/>
+            </a:prstGeom>
+            <a:noFill/>
+          </p:spPr>
+          <p:txBody>
+            <a:bodyPr wrap="none" rtlCol="0">
+              <a:spAutoFit/>
+            </a:bodyPr>
+            <a:lstStyle/>
+            <a:p>
+              <a:r>
+                <a:rPr lang="en-US" altLang="zh-TW" dirty="0" err="1">
+                  <a:solidFill>
+                    <a:schemeClr val="bg1"/>
+                  </a:solidFill>
+                </a:rPr>
+                <a:t>arrayA</a:t>
+              </a:r>
+              <a:endParaRPr lang="zh-TW" altLang="en-US" dirty="0">
+                <a:solidFill>
+                  <a:schemeClr val="bg1"/>
+                </a:solidFill>
+              </a:endParaRPr>
+            </a:p>
+          </p:txBody>
+        </p:sp>
+      </p:grpSp>
+      <p:grpSp>
+        <p:nvGrpSpPr>
+          <p:cNvPr id="14" name="群組 13">
+            <a:extLst>
+              <a:ext uri="{FF2B5EF4-FFF2-40B4-BE49-F238E27FC236}">
+                <a16:creationId xmlns:a16="http://schemas.microsoft.com/office/drawing/2014/main" id="{75B90854-CF4B-4B09-8BA0-FF377248D95C}"/>
+              </a:ext>
+            </a:extLst>
+          </p:cNvPr>
+          <p:cNvGrpSpPr/>
+          <p:nvPr/>
+        </p:nvGrpSpPr>
+        <p:grpSpPr>
+          <a:xfrm>
+            <a:off x="6502120" y="3561813"/>
+            <a:ext cx="894360" cy="878961"/>
+            <a:chOff x="12568985" y="1268399"/>
+            <a:chExt cx="894360" cy="878961"/>
+          </a:xfrm>
+        </p:grpSpPr>
+        <p:sp>
+          <p:nvSpPr>
+            <p:cNvPr id="15" name="橢圓 14">
+              <a:extLst>
+                <a:ext uri="{FF2B5EF4-FFF2-40B4-BE49-F238E27FC236}">
+                  <a16:creationId xmlns:a16="http://schemas.microsoft.com/office/drawing/2014/main" id="{4BBF17E8-A106-4335-B6FD-8A088E4E2312}"/>
+                </a:ext>
+              </a:extLst>
+            </p:cNvPr>
+            <p:cNvSpPr/>
+            <p:nvPr/>
+          </p:nvSpPr>
+          <p:spPr>
+            <a:xfrm>
+              <a:off x="12568985" y="1268399"/>
+              <a:ext cx="894360" cy="878961"/>
+            </a:xfrm>
+            <a:prstGeom prst="ellipse">
+              <a:avLst/>
+            </a:prstGeom>
+            <a:solidFill>
+              <a:srgbClr val="F315A4"/>
+            </a:solidFill>
+          </p:spPr>
+          <p:style>
+            <a:lnRef idx="2">
+              <a:schemeClr val="accent1">
+                <a:shade val="50000"/>
+              </a:schemeClr>
+            </a:lnRef>
+            <a:fillRef idx="1">
+              <a:schemeClr val="accent1"/>
+            </a:fillRef>
+            <a:effectRef idx="0">
+              <a:schemeClr val="accent1"/>
+            </a:effectRef>
+            <a:fontRef idx="minor">
+              <a:schemeClr val="lt1"/>
+            </a:fontRef>
+          </p:style>
+          <p:txBody>
+            <a:bodyPr rtlCol="0" anchor="ctr"/>
+            <a:lstStyle/>
+            <a:p>
+              <a:pPr algn="ctr"/>
+              <a:endParaRPr lang="zh-TW" altLang="en-US"/>
+            </a:p>
+          </p:txBody>
+        </p:sp>
+        <p:sp>
+          <p:nvSpPr>
+            <p:cNvPr id="16" name="文字方塊 15">
+              <a:extLst>
+                <a:ext uri="{FF2B5EF4-FFF2-40B4-BE49-F238E27FC236}">
+                  <a16:creationId xmlns:a16="http://schemas.microsoft.com/office/drawing/2014/main" id="{BA3B6304-ACC0-4C4E-AC8E-EF5814DE1B38}"/>
+                </a:ext>
+              </a:extLst>
+            </p:cNvPr>
+            <p:cNvSpPr txBox="1"/>
+            <p:nvPr/>
+          </p:nvSpPr>
+          <p:spPr>
+            <a:xfrm>
+              <a:off x="12609625" y="1513054"/>
+              <a:ext cx="786369" cy="369332"/>
+            </a:xfrm>
+            <a:prstGeom prst="rect">
+              <a:avLst/>
+            </a:prstGeom>
+            <a:noFill/>
+          </p:spPr>
+          <p:txBody>
+            <a:bodyPr wrap="none" rtlCol="0">
+              <a:spAutoFit/>
+            </a:bodyPr>
+            <a:lstStyle/>
+            <a:p>
+              <a:r>
+                <a:rPr lang="en-US" altLang="zh-TW" dirty="0" err="1">
+                  <a:solidFill>
+                    <a:schemeClr val="bg1"/>
+                  </a:solidFill>
+                </a:rPr>
+                <a:t>arrayB</a:t>
+              </a:r>
+              <a:endParaRPr lang="zh-TW" altLang="en-US" dirty="0">
+                <a:solidFill>
+                  <a:schemeClr val="bg1"/>
+                </a:solidFill>
+              </a:endParaRPr>
+            </a:p>
+          </p:txBody>
+        </p:sp>
+      </p:grpSp>
+      <p:cxnSp>
+        <p:nvCxnSpPr>
+          <p:cNvPr id="8" name="直線單箭頭接點 7">
+            <a:extLst>
+              <a:ext uri="{FF2B5EF4-FFF2-40B4-BE49-F238E27FC236}">
+                <a16:creationId xmlns:a16="http://schemas.microsoft.com/office/drawing/2014/main" id="{3F82516A-4D8A-4B4B-B7A3-5154787ED586}"/>
+              </a:ext>
+            </a:extLst>
+          </p:cNvPr>
+          <p:cNvCxnSpPr>
+            <a:cxnSpLocks/>
+          </p:cNvCxnSpPr>
+          <p:nvPr/>
+        </p:nvCxnSpPr>
+        <p:spPr>
+          <a:xfrm flipV="1">
+            <a:off x="7559040" y="3248590"/>
+            <a:ext cx="1849120" cy="703650"/>
+          </a:xfrm>
+          <a:prstGeom prst="straightConnector1">
+            <a:avLst/>
+          </a:prstGeom>
+          <a:ln w="38100">
+            <a:solidFill>
+              <a:schemeClr val="tx1"/>
+            </a:solidFill>
+            <a:tailEnd type="triangle"/>
+          </a:ln>
+        </p:spPr>
+        <p:style>
+          <a:lnRef idx="1">
+            <a:schemeClr val="accent1"/>
+          </a:lnRef>
+          <a:fillRef idx="0">
+            <a:schemeClr val="accent1"/>
+          </a:fillRef>
+          <a:effectRef idx="0">
+            <a:schemeClr val="accent1"/>
+          </a:effectRef>
+          <a:fontRef idx="minor">
+            <a:schemeClr val="tx1"/>
+          </a:fontRef>
+        </p:style>
+      </p:cxnSp>
+      <p:sp>
+        <p:nvSpPr>
+          <p:cNvPr id="18" name="文字方塊 17">
+            <a:extLst>
+              <a:ext uri="{FF2B5EF4-FFF2-40B4-BE49-F238E27FC236}">
+                <a16:creationId xmlns:a16="http://schemas.microsoft.com/office/drawing/2014/main" id="{ABD5DFAA-20B2-4702-951D-CF2B71F494E2}"/>
+              </a:ext>
+            </a:extLst>
+          </p:cNvPr>
+          <p:cNvSpPr txBox="1"/>
+          <p:nvPr/>
+        </p:nvSpPr>
+        <p:spPr>
+          <a:xfrm>
+            <a:off x="5692140" y="5419981"/>
+            <a:ext cx="5910580" cy="461665"/>
+          </a:xfrm>
+          <a:prstGeom prst="rect">
+            <a:avLst/>
+          </a:prstGeom>
+          <a:solidFill>
+            <a:schemeClr val="tx1">
+              <a:lumMod val="65000"/>
+              <a:lumOff val="35000"/>
+            </a:schemeClr>
+          </a:solidFill>
+        </p:spPr>
+        <p:txBody>
+          <a:bodyPr wrap="square" rtlCol="0">
+            <a:spAutoFit/>
+          </a:bodyPr>
+          <a:lstStyle/>
+          <a:p>
+            <a:r>
+              <a:rPr lang="en-US" altLang="zh-TW" sz="2400" b="1" dirty="0">
+                <a:solidFill>
+                  <a:srgbClr val="569CD6"/>
+                </a:solidFill>
+                <a:latin typeface="Fira Code"/>
+              </a:rPr>
+              <a:t>var</a:t>
+            </a:r>
+            <a:r>
+              <a:rPr lang="en-US" altLang="zh-TW" sz="2400" b="1" dirty="0">
+                <a:solidFill>
+                  <a:srgbClr val="D4D4D4"/>
+                </a:solidFill>
+                <a:latin typeface="Fira Code"/>
+              </a:rPr>
+              <a:t> </a:t>
+            </a:r>
+            <a:r>
+              <a:rPr lang="en-US" altLang="zh-TW" sz="2400" b="1" dirty="0" err="1">
+                <a:solidFill>
+                  <a:srgbClr val="9CDCFE"/>
+                </a:solidFill>
+                <a:latin typeface="Fira Code"/>
+              </a:rPr>
+              <a:t>arrayB</a:t>
+            </a:r>
+            <a:r>
+              <a:rPr lang="en-US" altLang="zh-TW" sz="2400" b="1" dirty="0">
+                <a:solidFill>
+                  <a:srgbClr val="D4D4D4"/>
+                </a:solidFill>
+                <a:latin typeface="Fira Code"/>
+              </a:rPr>
+              <a:t> = </a:t>
+            </a:r>
+            <a:r>
+              <a:rPr lang="en-US" altLang="zh-TW" sz="2400" b="1" dirty="0" err="1">
+                <a:solidFill>
+                  <a:srgbClr val="9CDCFE"/>
+                </a:solidFill>
+                <a:latin typeface="Fira Code"/>
+              </a:rPr>
+              <a:t>arrayA</a:t>
+            </a:r>
+            <a:r>
+              <a:rPr lang="en-US" altLang="zh-TW" sz="2400" b="1" dirty="0">
+                <a:solidFill>
+                  <a:srgbClr val="D4D4D4"/>
+                </a:solidFill>
+                <a:latin typeface="Fira Code"/>
+              </a:rPr>
+              <a:t>;</a:t>
+            </a:r>
+          </a:p>
+        </p:txBody>
+      </p:sp>
+    </p:spTree>
+    <p:extLst>
+      <p:ext uri="{BB962C8B-B14F-4D97-AF65-F5344CB8AC3E}">
+        <p14:creationId xmlns:p14="http://schemas.microsoft.com/office/powerpoint/2010/main" val="311238659"/>
+      </p:ext>
+    </p:extLst>
+  </p:cSld>
+  <p:clrMapOvr>
+    <a:masterClrMapping/>
+  </p:clrMapOvr>
+</p:sld>
+</file>
+
+<file path=ppt/slides/slide12.xml><?xml version="1.0" encoding="utf-8"?>
+<p:sld xmlns:a="http://schemas.openxmlformats.org/drawingml/2006/main" xmlns:r="http://schemas.openxmlformats.org/officeDocument/2006/relationships" xmlns:p="http://schemas.openxmlformats.org/presentationml/2006/main">
+  <p:cSld>
+    <p:spTree>
+      <p:nvGrpSpPr>
+        <p:cNvPr id="1" name=""/>
+        <p:cNvGrpSpPr/>
+        <p:nvPr/>
+      </p:nvGrpSpPr>
+      <p:grpSpPr>
+        <a:xfrm>
+          <a:off x="0" y="0"/>
+          <a:ext cx="0" cy="0"/>
+          <a:chOff x="0" y="0"/>
+          <a:chExt cx="0" cy="0"/>
+        </a:xfrm>
+      </p:grpSpPr>
+      <p:sp>
+        <p:nvSpPr>
+          <p:cNvPr id="2" name="標題 1">
+            <a:extLst>
+              <a:ext uri="{FF2B5EF4-FFF2-40B4-BE49-F238E27FC236}">
+                <a16:creationId xmlns:a16="http://schemas.microsoft.com/office/drawing/2014/main" id="{41B831E1-2F28-4D6E-A6CE-A3C9FACEF6CC}"/>
+              </a:ext>
+            </a:extLst>
+          </p:cNvPr>
+          <p:cNvSpPr>
+            <a:spLocks noGrp="1"/>
+          </p:cNvSpPr>
+          <p:nvPr>
+            <p:ph type="title"/>
+          </p:nvPr>
+        </p:nvSpPr>
+        <p:spPr/>
+        <p:txBody>
+          <a:bodyPr/>
+          <a:lstStyle/>
+          <a:p>
+            <a:r>
+              <a:rPr lang="zh-TW" altLang="zh-TW" dirty="0">
+                <a:latin typeface="微軟正黑體" panose="020B0604030504040204" pitchFamily="34" charset="-120"/>
+                <a:ea typeface="微軟正黑體" panose="020B0604030504040204" pitchFamily="34" charset="-120"/>
+              </a:rPr>
+              <a:t>陣列</a:t>
+            </a:r>
+            <a:endParaRPr lang="zh-TW" altLang="en-US" dirty="0">
+              <a:latin typeface="微軟正黑體" panose="020B0604030504040204" pitchFamily="34" charset="-120"/>
+              <a:ea typeface="微軟正黑體" panose="020B0604030504040204" pitchFamily="34" charset="-120"/>
+            </a:endParaRPr>
+          </a:p>
+        </p:txBody>
+      </p:sp>
+      <p:sp>
+        <p:nvSpPr>
+          <p:cNvPr id="4" name="內容版面配置區 2">
+            <a:extLst>
+              <a:ext uri="{FF2B5EF4-FFF2-40B4-BE49-F238E27FC236}">
+                <a16:creationId xmlns:a16="http://schemas.microsoft.com/office/drawing/2014/main" id="{13F4E71E-5606-4D68-8106-6EF8EB15B0F1}"/>
+              </a:ext>
+            </a:extLst>
+          </p:cNvPr>
+          <p:cNvSpPr>
+            <a:spLocks noGrp="1"/>
+          </p:cNvSpPr>
+          <p:nvPr>
+            <p:ph idx="1"/>
+          </p:nvPr>
+        </p:nvSpPr>
+        <p:spPr>
+          <a:xfrm>
+            <a:off x="838200" y="1825625"/>
+            <a:ext cx="5090301" cy="4049751"/>
+          </a:xfrm>
+        </p:spPr>
+        <p:txBody>
+          <a:bodyPr/>
+          <a:lstStyle/>
+          <a:p>
+            <a:r>
+              <a:rPr lang="zh-TW" altLang="en-US" dirty="0">
+                <a:latin typeface="微軟正黑體" panose="020B0604030504040204" pitchFamily="34" charset="-120"/>
+                <a:ea typeface="微軟正黑體" panose="020B0604030504040204" pitchFamily="34" charset="-120"/>
+              </a:rPr>
+              <a:t>所以接著當我們更新了 </a:t>
+            </a:r>
+            <a:r>
+              <a:rPr lang="en-US" altLang="zh-TW" dirty="0" err="1">
+                <a:latin typeface="微軟正黑體" panose="020B0604030504040204" pitchFamily="34" charset="-120"/>
+                <a:ea typeface="微軟正黑體" panose="020B0604030504040204" pitchFamily="34" charset="-120"/>
+              </a:rPr>
+              <a:t>arrayB</a:t>
+            </a:r>
+            <a:r>
+              <a:rPr lang="en-US" altLang="zh-TW" dirty="0">
+                <a:latin typeface="微軟正黑體" panose="020B0604030504040204" pitchFamily="34" charset="-120"/>
+                <a:ea typeface="微軟正黑體" panose="020B0604030504040204" pitchFamily="34" charset="-120"/>
+              </a:rPr>
+              <a:t>[0]=3</a:t>
+            </a:r>
+            <a:r>
+              <a:rPr lang="zh-TW" altLang="en-US" dirty="0">
+                <a:latin typeface="微軟正黑體" panose="020B0604030504040204" pitchFamily="34" charset="-120"/>
+                <a:ea typeface="微軟正黑體" panose="020B0604030504040204" pitchFamily="34" charset="-120"/>
+              </a:rPr>
+              <a:t> 的內容後</a:t>
+            </a:r>
+            <a:r>
+              <a:rPr lang="en-US" altLang="zh-TW" dirty="0">
+                <a:latin typeface="微軟正黑體" panose="020B0604030504040204" pitchFamily="34" charset="-120"/>
+                <a:ea typeface="微軟正黑體" panose="020B0604030504040204" pitchFamily="34" charset="-120"/>
+              </a:rPr>
+              <a:t>,</a:t>
+            </a:r>
+            <a:r>
+              <a:rPr lang="en-US" altLang="zh-TW" dirty="0" err="1">
+                <a:latin typeface="微軟正黑體" panose="020B0604030504040204" pitchFamily="34" charset="-120"/>
+                <a:ea typeface="微軟正黑體" panose="020B0604030504040204" pitchFamily="34" charset="-120"/>
+              </a:rPr>
+              <a:t>arrayA</a:t>
+            </a:r>
+            <a:r>
+              <a:rPr lang="en-US" altLang="zh-TW" dirty="0">
+                <a:latin typeface="微軟正黑體" panose="020B0604030504040204" pitchFamily="34" charset="-120"/>
+                <a:ea typeface="微軟正黑體" panose="020B0604030504040204" pitchFamily="34" charset="-120"/>
+              </a:rPr>
+              <a:t> </a:t>
+            </a:r>
+            <a:r>
+              <a:rPr lang="zh-TW" altLang="en-US" dirty="0">
+                <a:latin typeface="微軟正黑體" panose="020B0604030504040204" pitchFamily="34" charset="-120"/>
+                <a:ea typeface="微軟正黑體" panose="020B0604030504040204" pitchFamily="34" charset="-120"/>
+              </a:rPr>
+              <a:t>的內容也一起被更新了。</a:t>
+            </a:r>
+            <a:endParaRPr lang="en-US" altLang="zh-TW" dirty="0">
+              <a:latin typeface="微軟正黑體" panose="020B0604030504040204" pitchFamily="34" charset="-120"/>
+              <a:ea typeface="微軟正黑體" panose="020B0604030504040204" pitchFamily="34" charset="-120"/>
+            </a:endParaRPr>
+          </a:p>
+          <a:p>
+            <a:endParaRPr lang="en-US" altLang="zh-TW" dirty="0">
+              <a:latin typeface="微軟正黑體" panose="020B0604030504040204" pitchFamily="34" charset="-120"/>
+              <a:ea typeface="微軟正黑體" panose="020B0604030504040204" pitchFamily="34" charset="-120"/>
+            </a:endParaRPr>
+          </a:p>
+          <a:p>
+            <a:r>
+              <a:rPr lang="zh-TW" altLang="en-US" dirty="0">
+                <a:latin typeface="微軟正黑體" panose="020B0604030504040204" pitchFamily="34" charset="-120"/>
+                <a:ea typeface="微軟正黑體" panose="020B0604030504040204" pitchFamily="34" charset="-120"/>
+              </a:rPr>
+              <a:t>最後得到的答案</a:t>
+            </a:r>
+            <a:r>
+              <a:rPr lang="en-US" altLang="zh-TW" dirty="0">
+                <a:latin typeface="微軟正黑體" panose="020B0604030504040204" pitchFamily="34" charset="-120"/>
+                <a:ea typeface="微軟正黑體" panose="020B0604030504040204" pitchFamily="34" charset="-120"/>
+              </a:rPr>
+              <a:t>console.log</a:t>
+            </a:r>
+            <a:r>
+              <a:rPr lang="zh-TW" altLang="en-US" dirty="0">
+                <a:latin typeface="微軟正黑體" panose="020B0604030504040204" pitchFamily="34" charset="-120"/>
+                <a:ea typeface="微軟正黑體" panose="020B0604030504040204" pitchFamily="34" charset="-120"/>
+              </a:rPr>
+              <a:t>是為</a:t>
+            </a:r>
+            <a:r>
+              <a:rPr lang="zh-TW" altLang="zh-TW" dirty="0">
+                <a:latin typeface="微軟正黑體" panose="020B0604030504040204" pitchFamily="34" charset="-120"/>
+                <a:ea typeface="微軟正黑體" panose="020B0604030504040204" pitchFamily="34" charset="-120"/>
+              </a:rPr>
+              <a:t>相等</a:t>
+            </a:r>
+            <a:r>
+              <a:rPr lang="zh-TW" altLang="en-US" dirty="0">
+                <a:latin typeface="微軟正黑體" panose="020B0604030504040204" pitchFamily="34" charset="-120"/>
+                <a:ea typeface="微軟正黑體" panose="020B0604030504040204" pitchFamily="34" charset="-120"/>
+              </a:rPr>
+              <a:t>。</a:t>
+            </a:r>
+            <a:endParaRPr lang="en-US" altLang="zh-TW" dirty="0">
+              <a:latin typeface="微軟正黑體" panose="020B0604030504040204" pitchFamily="34" charset="-120"/>
+              <a:ea typeface="微軟正黑體" panose="020B0604030504040204" pitchFamily="34" charset="-120"/>
+            </a:endParaRPr>
+          </a:p>
+        </p:txBody>
+      </p:sp>
+      <p:sp>
+        <p:nvSpPr>
+          <p:cNvPr id="6" name="文字方塊 5">
+            <a:extLst>
+              <a:ext uri="{FF2B5EF4-FFF2-40B4-BE49-F238E27FC236}">
+                <a16:creationId xmlns:a16="http://schemas.microsoft.com/office/drawing/2014/main" id="{339C2F65-16E9-4147-9451-0FD9909B3878}"/>
+              </a:ext>
+            </a:extLst>
+          </p:cNvPr>
+          <p:cNvSpPr txBox="1"/>
+          <p:nvPr/>
+        </p:nvSpPr>
+        <p:spPr>
+          <a:xfrm>
+            <a:off x="838200" y="5691783"/>
+            <a:ext cx="877163" cy="369332"/>
+          </a:xfrm>
+          <a:prstGeom prst="rect">
+            <a:avLst/>
+          </a:prstGeom>
+          <a:noFill/>
+        </p:spPr>
+        <p:txBody>
+          <a:bodyPr wrap="none" rtlCol="0">
+            <a:spAutoFit/>
+          </a:bodyPr>
+          <a:lstStyle/>
+          <a:p>
+            <a:r>
+              <a:rPr lang="zh-TW" altLang="en-US" b="1" dirty="0">
+                <a:latin typeface="微軟正黑體" panose="020B0604030504040204" pitchFamily="34" charset="-120"/>
+                <a:ea typeface="微軟正黑體" panose="020B0604030504040204" pitchFamily="34" charset="-120"/>
+              </a:rPr>
+              <a:t>周本諴</a:t>
+            </a:r>
+          </a:p>
+        </p:txBody>
+      </p:sp>
+      <p:cxnSp>
+        <p:nvCxnSpPr>
+          <p:cNvPr id="7" name="直線接點 6">
+            <a:extLst>
+              <a:ext uri="{FF2B5EF4-FFF2-40B4-BE49-F238E27FC236}">
+                <a16:creationId xmlns:a16="http://schemas.microsoft.com/office/drawing/2014/main" id="{CA38C0AC-00B9-41B9-85AB-7836D7D3E6B8}"/>
+              </a:ext>
+            </a:extLst>
+          </p:cNvPr>
+          <p:cNvCxnSpPr>
+            <a:cxnSpLocks/>
+          </p:cNvCxnSpPr>
+          <p:nvPr/>
+        </p:nvCxnSpPr>
+        <p:spPr>
+          <a:xfrm>
+            <a:off x="914400" y="1442906"/>
+            <a:ext cx="10439400" cy="0"/>
+          </a:xfrm>
+          <a:prstGeom prst="line">
+            <a:avLst/>
+          </a:prstGeom>
+          <a:ln w="28575">
+            <a:solidFill>
+              <a:srgbClr val="569CD6"/>
+            </a:solidFill>
+          </a:ln>
+        </p:spPr>
+        <p:style>
+          <a:lnRef idx="1">
+            <a:schemeClr val="accent1"/>
+          </a:lnRef>
+          <a:fillRef idx="0">
+            <a:schemeClr val="accent1"/>
+          </a:fillRef>
+          <a:effectRef idx="0">
+            <a:schemeClr val="accent1"/>
+          </a:effectRef>
+          <a:fontRef idx="minor">
+            <a:schemeClr val="tx1"/>
+          </a:fontRef>
+        </p:style>
+      </p:cxnSp>
+      <p:sp>
+        <p:nvSpPr>
+          <p:cNvPr id="17" name="文字方塊 16">
+            <a:extLst>
+              <a:ext uri="{FF2B5EF4-FFF2-40B4-BE49-F238E27FC236}">
+                <a16:creationId xmlns:a16="http://schemas.microsoft.com/office/drawing/2014/main" id="{A4B74BF3-0B0B-4909-BE76-D645EEE983B6}"/>
+              </a:ext>
+            </a:extLst>
+          </p:cNvPr>
+          <p:cNvSpPr txBox="1"/>
+          <p:nvPr/>
+        </p:nvSpPr>
+        <p:spPr>
+          <a:xfrm>
+            <a:off x="6233020" y="1895100"/>
+            <a:ext cx="5120780" cy="830997"/>
+          </a:xfrm>
+          <a:prstGeom prst="rect">
+            <a:avLst/>
+          </a:prstGeom>
+          <a:solidFill>
+            <a:schemeClr val="tx1">
+              <a:lumMod val="65000"/>
+              <a:lumOff val="35000"/>
+            </a:schemeClr>
+          </a:solidFill>
+        </p:spPr>
+        <p:txBody>
+          <a:bodyPr wrap="square" rtlCol="0">
+            <a:spAutoFit/>
+          </a:bodyPr>
+          <a:lstStyle/>
+          <a:p>
+            <a:r>
+              <a:rPr lang="en-US" altLang="zh-TW" sz="2400" b="1" dirty="0" err="1">
+                <a:solidFill>
+                  <a:srgbClr val="9CDCFE"/>
+                </a:solidFill>
+                <a:latin typeface="Fira Code"/>
+              </a:rPr>
+              <a:t>arrayB</a:t>
+            </a:r>
+            <a:r>
+              <a:rPr lang="en-US" altLang="zh-TW" sz="2400" b="1" dirty="0">
+                <a:solidFill>
+                  <a:srgbClr val="D4D4D4"/>
+                </a:solidFill>
+                <a:latin typeface="Fira Code"/>
+              </a:rPr>
+              <a:t>[</a:t>
+            </a:r>
+            <a:r>
+              <a:rPr lang="en-US" altLang="zh-TW" sz="2400" b="1" dirty="0">
+                <a:solidFill>
+                  <a:srgbClr val="B5CEA8"/>
+                </a:solidFill>
+                <a:latin typeface="Fira Code"/>
+              </a:rPr>
+              <a:t>0</a:t>
+            </a:r>
+            <a:r>
+              <a:rPr lang="en-US" altLang="zh-TW" sz="2400" b="1" dirty="0">
+                <a:solidFill>
+                  <a:srgbClr val="D4D4D4"/>
+                </a:solidFill>
+                <a:latin typeface="Fira Code"/>
+              </a:rPr>
+              <a:t>] = </a:t>
+            </a:r>
+            <a:r>
+              <a:rPr lang="en-US" altLang="zh-TW" sz="2400" b="1" dirty="0">
+                <a:solidFill>
+                  <a:srgbClr val="B5CEA8"/>
+                </a:solidFill>
+                <a:latin typeface="Fira Code"/>
+              </a:rPr>
+              <a:t>3</a:t>
+            </a:r>
+            <a:r>
+              <a:rPr lang="en-US" altLang="zh-TW" sz="2400" b="1" dirty="0">
+                <a:solidFill>
+                  <a:srgbClr val="D4D4D4"/>
+                </a:solidFill>
+                <a:latin typeface="Fira Code"/>
+              </a:rPr>
+              <a:t>;</a:t>
+            </a:r>
+          </a:p>
+          <a:p>
+            <a:r>
+              <a:rPr lang="en-US" altLang="zh-TW" sz="2400" b="1" dirty="0">
+                <a:solidFill>
+                  <a:srgbClr val="D4D4D4"/>
+                </a:solidFill>
+                <a:latin typeface="Fira Code"/>
+              </a:rPr>
+              <a:t>  </a:t>
+            </a:r>
+            <a:r>
+              <a:rPr lang="en-US" altLang="zh-TW" sz="2400" b="1" dirty="0">
+                <a:solidFill>
+                  <a:srgbClr val="4EC9B0"/>
+                </a:solidFill>
+                <a:latin typeface="Fira Code"/>
+              </a:rPr>
+              <a:t>console</a:t>
+            </a:r>
+            <a:r>
+              <a:rPr lang="en-US" altLang="zh-TW" sz="2400" b="1" dirty="0">
+                <a:solidFill>
+                  <a:srgbClr val="D4D4D4"/>
+                </a:solidFill>
+                <a:latin typeface="Fira Code"/>
+              </a:rPr>
+              <a:t>.</a:t>
+            </a:r>
+            <a:r>
+              <a:rPr lang="en-US" altLang="zh-TW" sz="2400" b="1" dirty="0">
+                <a:solidFill>
+                  <a:srgbClr val="DCDCAA"/>
+                </a:solidFill>
+                <a:latin typeface="Fira Code"/>
+              </a:rPr>
+              <a:t>log</a:t>
+            </a:r>
+            <a:r>
+              <a:rPr lang="en-US" altLang="zh-TW" sz="2400" b="1" dirty="0">
+                <a:solidFill>
+                  <a:srgbClr val="D4D4D4"/>
+                </a:solidFill>
+                <a:latin typeface="Fira Code"/>
+              </a:rPr>
+              <a:t>(</a:t>
+            </a:r>
+            <a:r>
+              <a:rPr lang="en-US" altLang="zh-TW" sz="2400" b="1" dirty="0" err="1">
+                <a:solidFill>
+                  <a:srgbClr val="9CDCFE"/>
+                </a:solidFill>
+                <a:latin typeface="Fira Code"/>
+              </a:rPr>
+              <a:t>arrayA</a:t>
+            </a:r>
+            <a:r>
+              <a:rPr lang="en-US" altLang="zh-TW" sz="2400" b="1" dirty="0">
+                <a:solidFill>
+                  <a:srgbClr val="D4D4D4"/>
+                </a:solidFill>
+                <a:latin typeface="Fira Code"/>
+              </a:rPr>
+              <a:t>, </a:t>
+            </a:r>
+            <a:r>
+              <a:rPr lang="en-US" altLang="zh-TW" sz="2400" b="1" dirty="0" err="1">
+                <a:solidFill>
+                  <a:srgbClr val="9CDCFE"/>
+                </a:solidFill>
+                <a:latin typeface="Fira Code"/>
+              </a:rPr>
+              <a:t>arrayB</a:t>
+            </a:r>
+            <a:r>
+              <a:rPr lang="en-US" altLang="zh-TW" sz="2400" b="1" dirty="0">
+                <a:solidFill>
+                  <a:srgbClr val="D4D4D4"/>
+                </a:solidFill>
+                <a:latin typeface="Fira Code"/>
+              </a:rPr>
+              <a:t>);</a:t>
+            </a:r>
+          </a:p>
+        </p:txBody>
+      </p:sp>
+      <p:grpSp>
+        <p:nvGrpSpPr>
+          <p:cNvPr id="19" name="群組 18">
+            <a:extLst>
+              <a:ext uri="{FF2B5EF4-FFF2-40B4-BE49-F238E27FC236}">
+                <a16:creationId xmlns:a16="http://schemas.microsoft.com/office/drawing/2014/main" id="{E064E2AA-4246-4A78-8A82-A6CDFD098D59}"/>
+              </a:ext>
+            </a:extLst>
+          </p:cNvPr>
+          <p:cNvGrpSpPr/>
+          <p:nvPr/>
+        </p:nvGrpSpPr>
+        <p:grpSpPr>
+          <a:xfrm>
+            <a:off x="6263500" y="3524249"/>
+            <a:ext cx="5120780" cy="2351127"/>
+            <a:chOff x="6233020" y="3158489"/>
+            <a:chExt cx="5120780" cy="2351127"/>
+          </a:xfrm>
+        </p:grpSpPr>
+        <p:sp>
+          <p:nvSpPr>
+            <p:cNvPr id="9" name="矩形 8">
+              <a:extLst>
+                <a:ext uri="{FF2B5EF4-FFF2-40B4-BE49-F238E27FC236}">
+                  <a16:creationId xmlns:a16="http://schemas.microsoft.com/office/drawing/2014/main" id="{1B83199D-A6A2-428E-98E9-EF7C768AA61B}"/>
+                </a:ext>
+              </a:extLst>
+            </p:cNvPr>
+            <p:cNvSpPr/>
+            <p:nvPr/>
+          </p:nvSpPr>
+          <p:spPr>
+            <a:xfrm>
+              <a:off x="6233020" y="3158489"/>
+              <a:ext cx="5120780" cy="2351127"/>
+            </a:xfrm>
+            <a:prstGeom prst="rect">
+              <a:avLst/>
+            </a:prstGeom>
+            <a:solidFill>
+              <a:schemeClr val="bg1"/>
+            </a:solidFill>
+            <a:ln w="57150">
+              <a:solidFill>
+                <a:schemeClr val="tx1">
+                  <a:lumMod val="50000"/>
+                  <a:lumOff val="50000"/>
+                </a:schemeClr>
+              </a:solidFill>
+            </a:ln>
+          </p:spPr>
+          <p:style>
+            <a:lnRef idx="2">
+              <a:schemeClr val="accent1">
+                <a:shade val="50000"/>
+              </a:schemeClr>
+            </a:lnRef>
+            <a:fillRef idx="1">
+              <a:schemeClr val="accent1"/>
+            </a:fillRef>
+            <a:effectRef idx="0">
+              <a:schemeClr val="accent1"/>
+            </a:effectRef>
+            <a:fontRef idx="minor">
+              <a:schemeClr val="lt1"/>
+            </a:fontRef>
+          </p:style>
+          <p:txBody>
+            <a:bodyPr rtlCol="0" anchor="ctr"/>
+            <a:lstStyle/>
+            <a:p>
+              <a:pPr algn="ctr"/>
+              <a:endParaRPr lang="zh-TW" altLang="en-US"/>
+            </a:p>
+          </p:txBody>
+        </p:sp>
+        <p:pic>
+          <p:nvPicPr>
+            <p:cNvPr id="5" name="圖片 4">
+              <a:extLst>
+                <a:ext uri="{FF2B5EF4-FFF2-40B4-BE49-F238E27FC236}">
+                  <a16:creationId xmlns:a16="http://schemas.microsoft.com/office/drawing/2014/main" id="{C7994E2C-9387-4F4D-AD81-3A6732EB443A}"/>
+                </a:ext>
+              </a:extLst>
+            </p:cNvPr>
+            <p:cNvPicPr>
+              <a:picLocks noChangeAspect="1"/>
+            </p:cNvPicPr>
+            <p:nvPr/>
+          </p:nvPicPr>
+          <p:blipFill>
+            <a:blip r:embed="rId2">
+              <a:extLst>
+                <a:ext uri="{28A0092B-C50C-407E-A947-70E740481C1C}">
+                  <a14:useLocalDpi xmlns:a14="http://schemas.microsoft.com/office/drawing/2010/main" val="0"/>
+                </a:ext>
+              </a:extLst>
+            </a:blip>
+            <a:stretch>
+              <a:fillRect/>
+            </a:stretch>
+          </p:blipFill>
+          <p:spPr>
+            <a:xfrm>
+              <a:off x="6233020" y="3158489"/>
+              <a:ext cx="5120780" cy="2351127"/>
+            </a:xfrm>
+            <a:prstGeom prst="rect">
+              <a:avLst/>
+            </a:prstGeom>
+          </p:spPr>
+        </p:pic>
+      </p:grpSp>
+    </p:spTree>
+    <p:extLst>
+      <p:ext uri="{BB962C8B-B14F-4D97-AF65-F5344CB8AC3E}">
+        <p14:creationId xmlns:p14="http://schemas.microsoft.com/office/powerpoint/2010/main" val="2824772523"/>
+      </p:ext>
+    </p:extLst>
+  </p:cSld>
+  <p:clrMapOvr>
+    <a:masterClrMapping/>
+  </p:clrMapOvr>
+</p:sld>
+</file>
+
+<file path=ppt/slides/slide13.xml><?xml version="1.0" encoding="utf-8"?>
+<p:sld xmlns:a="http://schemas.openxmlformats.org/drawingml/2006/main" xmlns:r="http://schemas.openxmlformats.org/officeDocument/2006/relationships" xmlns:p="http://schemas.openxmlformats.org/presentationml/2006/main">
+  <p:cSld>
+    <p:spTree>
+      <p:nvGrpSpPr>
+        <p:cNvPr id="1" name=""/>
+        <p:cNvGrpSpPr/>
+        <p:nvPr/>
+      </p:nvGrpSpPr>
+      <p:grpSpPr>
+        <a:xfrm>
+          <a:off x="0" y="0"/>
+          <a:ext cx="0" cy="0"/>
+          <a:chOff x="0" y="0"/>
+          <a:chExt cx="0" cy="0"/>
+        </a:xfrm>
+      </p:grpSpPr>
+      <p:sp>
+        <p:nvSpPr>
+          <p:cNvPr id="2" name="標題 1">
+            <a:extLst>
+              <a:ext uri="{FF2B5EF4-FFF2-40B4-BE49-F238E27FC236}">
                 <a16:creationId xmlns:a16="http://schemas.microsoft.com/office/drawing/2014/main" id="{31DF7E8A-05DC-41DF-93FA-C3C7AAA92DF7}"/>
               </a:ext>
             </a:extLst>
@@ -5464,17 +7281,10 @@
                 <a:latin typeface="微軟正黑體" panose="020B0604030504040204" pitchFamily="34" charset="-120"/>
                 <a:ea typeface="微軟正黑體" panose="020B0604030504040204" pitchFamily="34" charset="-120"/>
               </a:rPr>
-              <a:t>版本</a:t>
-            </a:r>
-            <a:r>
-              <a:rPr lang="zh-TW" altLang="zh-TW" dirty="0" smtClean="0">
-                <a:latin typeface="微軟正黑體" panose="020B0604030504040204" pitchFamily="34" charset="-120"/>
-                <a:ea typeface="微軟正黑體" panose="020B0604030504040204" pitchFamily="34" charset="-120"/>
-              </a:rPr>
-              <a:t>控制</a:t>
-            </a:r>
-            <a:r>
-              <a:rPr lang="en-US" altLang="zh-TW" dirty="0" smtClean="0">
+              <a:t>版本控制</a:t>
+            </a:r>
+            <a:r>
+              <a:rPr lang="en-US" altLang="zh-TW" dirty="0">
                 <a:latin typeface="微軟正黑體" panose="020B0604030504040204" pitchFamily="34" charset="-120"/>
                 <a:ea typeface="微軟正黑體" panose="020B0604030504040204" pitchFamily="34" charset="-120"/>
               </a:rPr>
@@ -5642,13 +7452,6 @@
   <p:clrMapOvr>
     <a:masterClrMapping/>
   </p:clrMapOvr>
-  <p:timing>
-    <p:tnLst>
-      <p:par>
-        <p:cTn id="1" dur="indefinite" restart="never" nodeType="tmRoot"/>
-      </p:par>
-    </p:tnLst>
-  </p:timing>
 </p:sld>
 </file>
 
@@ -5835,18 +7638,11 @@
               <a:p>
                 <a:pPr algn="ctr"/>
                 <a:r>
-                  <a:rPr lang="zh-TW" altLang="en-US" dirty="0" smtClean="0">
-                    <a:latin typeface="微軟正黑體" panose="020B0604030504040204" pitchFamily="34" charset="-120"/>
-                    <a:ea typeface="微軟正黑體" panose="020B0604030504040204" pitchFamily="34" charset="-120"/>
-                  </a:rPr>
-                  <a:t>檔案</a:t>
-                </a:r>
-                <a:r>
                   <a:rPr lang="zh-TW" altLang="en-US" dirty="0">
                     <a:latin typeface="微軟正黑體" panose="020B0604030504040204" pitchFamily="34" charset="-120"/>
                     <a:ea typeface="微軟正黑體" panose="020B0604030504040204" pitchFamily="34" charset="-120"/>
                   </a:rPr>
-                  <a:t>遺失</a:t>
+                  <a:t>檔案遺失</a:t>
                 </a:r>
               </a:p>
             </p:txBody>
@@ -5925,19 +7721,8 @@
                     <a:latin typeface="微軟正黑體" panose="020B0604030504040204" pitchFamily="34" charset="-120"/>
                     <a:ea typeface="微軟正黑體" panose="020B0604030504040204" pitchFamily="34" charset="-120"/>
                   </a:rPr>
-                  <a:t>檔案</a:t>
+                  <a:t>檔案誤改</a:t>
                 </a:r>
-                <a:r>
-                  <a:rPr lang="zh-TW" altLang="en-US" dirty="0" smtClean="0">
-                    <a:latin typeface="微軟正黑體" panose="020B0604030504040204" pitchFamily="34" charset="-120"/>
-                    <a:ea typeface="微軟正黑體" panose="020B0604030504040204" pitchFamily="34" charset="-120"/>
-                  </a:rPr>
-                  <a:t>誤改</a:t>
-                </a:r>
-                <a:endParaRPr lang="zh-TW" altLang="en-US" dirty="0">
-                  <a:latin typeface="微軟正黑體" panose="020B0604030504040204" pitchFamily="34" charset="-120"/>
-                  <a:ea typeface="微軟正黑體" panose="020B0604030504040204" pitchFamily="34" charset="-120"/>
-                </a:endParaRPr>
               </a:p>
             </p:txBody>
           </p:sp>
@@ -5976,16 +7761,12 @@
               <a:p>
                 <a:pPr algn="ctr"/>
                 <a:r>
-                  <a:rPr lang="zh-TW" altLang="en-US" dirty="0" smtClean="0">
+                  <a:rPr lang="zh-TW" altLang="en-US" dirty="0">
                     <a:latin typeface="微軟正黑體" panose="020B0604030504040204" pitchFamily="34" charset="-120"/>
                     <a:ea typeface="微軟正黑體" panose="020B0604030504040204" pitchFamily="34" charset="-120"/>
                   </a:rPr>
                   <a:t>需求變更</a:t>
                 </a:r>
-                <a:endParaRPr lang="zh-TW" altLang="en-US" dirty="0">
-                  <a:latin typeface="微軟正黑體" panose="020B0604030504040204" pitchFamily="34" charset="-120"/>
-                  <a:ea typeface="微軟正黑體" panose="020B0604030504040204" pitchFamily="34" charset="-120"/>
-                </a:endParaRPr>
               </a:p>
             </p:txBody>
           </p:sp>
@@ -6094,16 +7875,12 @@
               <a:p>
                 <a:pPr algn="ctr"/>
                 <a:r>
-                  <a:rPr lang="zh-TW" altLang="en-US" dirty="0" smtClean="0">
+                  <a:rPr lang="zh-TW" altLang="en-US" dirty="0">
                     <a:latin typeface="微軟正黑體" panose="020B0604030504040204" pitchFamily="34" charset="-120"/>
                     <a:ea typeface="微軟正黑體" panose="020B0604030504040204" pitchFamily="34" charset="-120"/>
                   </a:rPr>
                   <a:t>凍結</a:t>
                 </a:r>
-                <a:endParaRPr lang="zh-TW" altLang="en-US" dirty="0">
-                  <a:latin typeface="微軟正黑體" panose="020B0604030504040204" pitchFamily="34" charset="-120"/>
-                  <a:ea typeface="微軟正黑體" panose="020B0604030504040204" pitchFamily="34" charset="-120"/>
-                </a:endParaRPr>
               </a:p>
             </p:txBody>
           </p:sp>
@@ -6177,16 +7954,12 @@
               <a:p>
                 <a:pPr algn="ctr"/>
                 <a:r>
-                  <a:rPr lang="zh-TW" altLang="en-US" dirty="0" smtClean="0">
+                  <a:rPr lang="zh-TW" altLang="en-US" dirty="0">
                     <a:latin typeface="微軟正黑體" panose="020B0604030504040204" pitchFamily="34" charset="-120"/>
                     <a:ea typeface="微軟正黑體" panose="020B0604030504040204" pitchFamily="34" charset="-120"/>
                   </a:rPr>
                   <a:t>檔案覆蓋</a:t>
                 </a:r>
-                <a:endParaRPr lang="zh-TW" altLang="en-US" dirty="0">
-                  <a:latin typeface="微軟正黑體" panose="020B0604030504040204" pitchFamily="34" charset="-120"/>
-                  <a:ea typeface="微軟正黑體" panose="020B0604030504040204" pitchFamily="34" charset="-120"/>
-                </a:endParaRPr>
               </a:p>
             </p:txBody>
           </p:sp>
@@ -6249,7 +8022,7 @@
             <a:lstStyle/>
             <a:p>
               <a:r>
-                <a:rPr lang="en-US" altLang="zh-TW" sz="2400" b="1" dirty="0" smtClean="0">
+                <a:rPr lang="en-US" altLang="zh-TW" sz="2400" b="1" dirty="0">
                   <a:solidFill>
                     <a:srgbClr val="00B050"/>
                   </a:solidFill>
@@ -6259,7 +8032,7 @@
                 <a:t>1.</a:t>
               </a:r>
               <a:r>
-                <a:rPr lang="zh-TW" altLang="en-US" sz="2400" b="1" dirty="0" smtClean="0">
+                <a:rPr lang="zh-TW" altLang="en-US" sz="2400" b="1" dirty="0">
                   <a:solidFill>
                     <a:srgbClr val="00B050"/>
                   </a:solidFill>
@@ -6268,13 +8041,6 @@
                 </a:rPr>
                 <a:t>復原檔案</a:t>
               </a:r>
-              <a:endParaRPr lang="zh-TW" altLang="en-US" sz="2400" b="1" dirty="0">
-                <a:solidFill>
-                  <a:srgbClr val="00B050"/>
-                </a:solidFill>
-                <a:latin typeface="微軟正黑體" panose="020B0604030504040204" pitchFamily="34" charset="-120"/>
-                <a:ea typeface="微軟正黑體" panose="020B0604030504040204" pitchFamily="34" charset="-120"/>
-              </a:endParaRPr>
             </a:p>
           </p:txBody>
         </p:sp>
@@ -6301,7 +8067,7 @@
             <a:lstStyle/>
             <a:p>
               <a:r>
-                <a:rPr lang="en-US" altLang="zh-TW" sz="2400" b="1" dirty="0" smtClean="0">
+                <a:rPr lang="en-US" altLang="zh-TW" sz="2400" b="1" dirty="0">
                   <a:solidFill>
                     <a:srgbClr val="00B050"/>
                   </a:solidFill>
@@ -6311,7 +8077,7 @@
                 <a:t>2.</a:t>
               </a:r>
               <a:r>
-                <a:rPr lang="zh-TW" altLang="en-US" sz="2400" b="1" dirty="0" smtClean="0">
+                <a:rPr lang="zh-TW" altLang="en-US" sz="2400" b="1" dirty="0">
                   <a:solidFill>
                     <a:srgbClr val="00B050"/>
                   </a:solidFill>
@@ -6320,13 +8086,6 @@
                 </a:rPr>
                 <a:t>保留修改歷程</a:t>
               </a:r>
-              <a:endParaRPr lang="zh-TW" altLang="en-US" sz="2400" b="1" dirty="0">
-                <a:solidFill>
-                  <a:srgbClr val="00B050"/>
-                </a:solidFill>
-                <a:latin typeface="微軟正黑體" panose="020B0604030504040204" pitchFamily="34" charset="-120"/>
-                <a:ea typeface="微軟正黑體" panose="020B0604030504040204" pitchFamily="34" charset="-120"/>
-              </a:endParaRPr>
             </a:p>
           </p:txBody>
         </p:sp>
@@ -6353,7 +8112,7 @@
             <a:lstStyle/>
             <a:p>
               <a:r>
-                <a:rPr lang="en-US" altLang="zh-TW" sz="2400" b="1" dirty="0" smtClean="0">
+                <a:rPr lang="en-US" altLang="zh-TW" sz="2400" b="1" dirty="0">
                   <a:solidFill>
                     <a:srgbClr val="00B050"/>
                   </a:solidFill>
@@ -6363,7 +8122,7 @@
                 <a:t>3.</a:t>
               </a:r>
               <a:r>
-                <a:rPr lang="zh-TW" altLang="en-US" sz="2400" b="1" dirty="0" smtClean="0">
+                <a:rPr lang="zh-TW" altLang="en-US" sz="2400" b="1" dirty="0">
                   <a:solidFill>
                     <a:srgbClr val="00B050"/>
                   </a:solidFill>
@@ -6372,13 +8131,6 @@
                 </a:rPr>
                 <a:t>版本復原</a:t>
               </a:r>
-              <a:endParaRPr lang="zh-TW" altLang="en-US" sz="2400" b="1" dirty="0">
-                <a:solidFill>
-                  <a:srgbClr val="00B050"/>
-                </a:solidFill>
-                <a:latin typeface="微軟正黑體" panose="020B0604030504040204" pitchFamily="34" charset="-120"/>
-                <a:ea typeface="微軟正黑體" panose="020B0604030504040204" pitchFamily="34" charset="-120"/>
-              </a:endParaRPr>
             </a:p>
           </p:txBody>
         </p:sp>
@@ -6405,7 +8157,7 @@
             <a:lstStyle/>
             <a:p>
               <a:r>
-                <a:rPr lang="en-US" altLang="zh-TW" sz="2400" b="1" dirty="0" smtClean="0">
+                <a:rPr lang="en-US" altLang="zh-TW" sz="2400" b="1" dirty="0">
                   <a:solidFill>
                     <a:srgbClr val="00B050"/>
                   </a:solidFill>
@@ -6415,7 +8167,7 @@
                 <a:t>4.</a:t>
               </a:r>
               <a:r>
-                <a:rPr lang="zh-TW" altLang="en-US" sz="2400" b="1" dirty="0" smtClean="0">
+                <a:rPr lang="zh-TW" altLang="en-US" sz="2400" b="1" dirty="0">
                   <a:solidFill>
                     <a:srgbClr val="00B050"/>
                   </a:solidFill>
@@ -6424,13 +8176,6 @@
                 </a:rPr>
                 <a:t>持續開發</a:t>
               </a:r>
-              <a:endParaRPr lang="zh-TW" altLang="en-US" sz="2400" b="1" dirty="0">
-                <a:solidFill>
-                  <a:srgbClr val="00B050"/>
-                </a:solidFill>
-                <a:latin typeface="微軟正黑體" panose="020B0604030504040204" pitchFamily="34" charset="-120"/>
-                <a:ea typeface="微軟正黑體" panose="020B0604030504040204" pitchFamily="34" charset="-120"/>
-              </a:endParaRPr>
             </a:p>
           </p:txBody>
         </p:sp>
@@ -6458,7 +8203,7 @@
           <a:lstStyle/>
           <a:p>
             <a:r>
-              <a:rPr lang="zh-TW" altLang="en-US" sz="2400" dirty="0" smtClean="0">
+              <a:rPr lang="zh-TW" altLang="en-US" sz="2400" dirty="0">
                 <a:solidFill>
                   <a:srgbClr val="FF0000"/>
                 </a:solidFill>
@@ -6467,13 +8212,6 @@
               </a:rPr>
               <a:t>供團隊存放開發原始碼及文件，以便達成集中控管</a:t>
             </a:r>
-            <a:endParaRPr lang="zh-TW" altLang="en-US" sz="2400" dirty="0">
-              <a:solidFill>
-                <a:srgbClr val="FF0000"/>
-              </a:solidFill>
-              <a:latin typeface="微軟正黑體" panose="020B0604030504040204" pitchFamily="34" charset="-120"/>
-              <a:ea typeface="微軟正黑體" panose="020B0604030504040204" pitchFamily="34" charset="-120"/>
-            </a:endParaRPr>
           </a:p>
         </p:txBody>
       </p:sp>
@@ -6508,47 +8246,22 @@
                 <a:latin typeface="微軟正黑體" panose="020B0604030504040204" pitchFamily="34" charset="-120"/>
                 <a:ea typeface="微軟正黑體" panose="020B0604030504040204" pitchFamily="34" charset="-120"/>
               </a:rPr>
-              <a:t>版本</a:t>
-            </a:r>
-            <a:r>
-              <a:rPr lang="zh-TW" altLang="zh-TW" dirty="0" smtClean="0">
-                <a:latin typeface="微軟正黑體" panose="020B0604030504040204" pitchFamily="34" charset="-120"/>
-                <a:ea typeface="微軟正黑體" panose="020B0604030504040204" pitchFamily="34" charset="-120"/>
-              </a:rPr>
-              <a:t>控制</a:t>
-            </a:r>
-            <a:r>
-              <a:rPr lang="en-US" altLang="zh-TW" dirty="0" smtClean="0">
-                <a:latin typeface="微軟正黑體" panose="020B0604030504040204" pitchFamily="34" charset="-120"/>
-                <a:ea typeface="微軟正黑體" panose="020B0604030504040204" pitchFamily="34" charset="-120"/>
-              </a:rPr>
-              <a:t>(</a:t>
+              <a:t>版本控制</a:t>
             </a:r>
             <a:r>
               <a:rPr lang="en-US" altLang="zh-TW" dirty="0">
                 <a:latin typeface="微軟正黑體" panose="020B0604030504040204" pitchFamily="34" charset="-120"/>
                 <a:ea typeface="微軟正黑體" panose="020B0604030504040204" pitchFamily="34" charset="-120"/>
               </a:rPr>
-              <a:t>3/2) -</a:t>
-            </a:r>
-            <a:r>
-              <a:rPr lang="en-US" altLang="zh-TW" dirty="0" smtClean="0">
-                <a:latin typeface="微軟正黑體" panose="020B0604030504040204" pitchFamily="34" charset="-120"/>
-                <a:ea typeface="微軟正黑體" panose="020B0604030504040204" pitchFamily="34" charset="-120"/>
-              </a:rPr>
-              <a:t> </a:t>
-            </a:r>
-            <a:r>
-              <a:rPr lang="zh-TW" altLang="en-US" sz="2400" dirty="0" smtClean="0">
+              <a:t>(3/2) - </a:t>
+            </a:r>
+            <a:r>
+              <a:rPr lang="zh-TW" altLang="en-US" sz="2400" dirty="0">
                 <a:latin typeface="微軟正黑體" panose="020B0604030504040204" pitchFamily="34" charset="-120"/>
                 <a:ea typeface="微軟正黑體" panose="020B0604030504040204" pitchFamily="34" charset="-120"/>
               </a:rPr>
               <a:t>用途及目的</a:t>
             </a:r>
-            <a:endParaRPr lang="zh-TW" altLang="en-US" sz="2400" dirty="0">
-              <a:latin typeface="微軟正黑體" panose="020B0604030504040204" pitchFamily="34" charset="-120"/>
-              <a:ea typeface="微軟正黑體" panose="020B0604030504040204" pitchFamily="34" charset="-120"/>
-            </a:endParaRPr>
           </a:p>
         </p:txBody>
       </p:sp>
@@ -6605,13 +8318,6 @@
   <p:clrMapOvr>
     <a:masterClrMapping/>
   </p:clrMapOvr>
-  <p:timing>
-    <p:tnLst>
-      <p:par>
-        <p:cTn id="1" dur="indefinite" restart="never" nodeType="tmRoot"/>
-      </p:par>
-    </p:tnLst>
-  </p:timing>
 </p:sld>
 </file>
 
@@ -6663,28 +8369,14 @@
                 <a:latin typeface="微軟正黑體" panose="020B0604030504040204" pitchFamily="34" charset="-120"/>
                 <a:ea typeface="微軟正黑體" panose="020B0604030504040204" pitchFamily="34" charset="-120"/>
               </a:rPr>
-              <a:t>版本</a:t>
-            </a:r>
-            <a:r>
-              <a:rPr lang="zh-TW" altLang="zh-TW" dirty="0" smtClean="0">
-                <a:latin typeface="微軟正黑體" panose="020B0604030504040204" pitchFamily="34" charset="-120"/>
-                <a:ea typeface="微軟正黑體" panose="020B0604030504040204" pitchFamily="34" charset="-120"/>
-              </a:rPr>
-              <a:t>控制</a:t>
-            </a:r>
-            <a:r>
-              <a:rPr lang="en-US" altLang="zh-TW" dirty="0" smtClean="0">
-                <a:latin typeface="微軟正黑體" panose="020B0604030504040204" pitchFamily="34" charset="-120"/>
-                <a:ea typeface="微軟正黑體" panose="020B0604030504040204" pitchFamily="34" charset="-120"/>
-              </a:rPr>
-              <a:t>(3/3) -</a:t>
+              <a:t>版本控制</a:t>
             </a:r>
             <a:r>
               <a:rPr lang="en-US" altLang="zh-TW" dirty="0">
                 <a:latin typeface="微軟正黑體" panose="020B0604030504040204" pitchFamily="34" charset="-120"/>
                 <a:ea typeface="微軟正黑體" panose="020B0604030504040204" pitchFamily="34" charset="-120"/>
               </a:rPr>
-              <a:t> </a:t>
+              <a:t>(3/3) - </a:t>
             </a:r>
             <a:r>
               <a:rPr lang="en-US" altLang="zh-TW" sz="2800" dirty="0" err="1">
@@ -6698,26 +8390,15 @@
                 <a:latin typeface="微軟正黑體" panose="020B0604030504040204" pitchFamily="34" charset="-120"/>
                 <a:ea typeface="微軟正黑體" panose="020B0604030504040204" pitchFamily="34" charset="-120"/>
               </a:rPr>
-              <a:t> </a:t>
-            </a:r>
-            <a:r>
-              <a:rPr lang="en-US" altLang="zh-TW" sz="2800" dirty="0" smtClean="0">
-                <a:latin typeface="微軟正黑體" panose="020B0604030504040204" pitchFamily="34" charset="-120"/>
-                <a:ea typeface="微軟正黑體" panose="020B0604030504040204" pitchFamily="34" charset="-120"/>
-              </a:rPr>
-              <a:t>flow</a:t>
-            </a:r>
-            <a:r>
-              <a:rPr lang="zh-TW" altLang="en-US" sz="2800" dirty="0" smtClean="0">
+              <a:t> flow</a:t>
+            </a:r>
+            <a:r>
+              <a:rPr lang="zh-TW" altLang="en-US" sz="2800" dirty="0">
                 <a:latin typeface="微軟正黑體" panose="020B0604030504040204" pitchFamily="34" charset="-120"/>
                 <a:ea typeface="微軟正黑體" panose="020B0604030504040204" pitchFamily="34" charset="-120"/>
               </a:rPr>
               <a:t>專案開發</a:t>
             </a:r>
-            <a:endParaRPr lang="zh-TW" altLang="en-US" sz="2800" dirty="0">
-              <a:latin typeface="微軟正黑體" panose="020B0604030504040204" pitchFamily="34" charset="-120"/>
-              <a:ea typeface="微軟正黑體" panose="020B0604030504040204" pitchFamily="34" charset="-120"/>
-            </a:endParaRPr>
           </a:p>
         </p:txBody>
       </p:sp>
@@ -6804,13 +8485,6 @@
   <p:clrMapOvr>
     <a:masterClrMapping/>
   </p:clrMapOvr>
-  <p:timing>
-    <p:tnLst>
-      <p:par>
-        <p:cTn id="1" dur="indefinite" restart="never" nodeType="tmRoot"/>
-      </p:par>
-    </p:tnLst>
-  </p:timing>
 </p:sld>
 </file>
 
